--- a/Presentation/Презентация проектных решений.pptx
+++ b/Presentation/Презентация проектных решений.pptx
@@ -8944,7 +8944,7 @@
           <a:p>
             <a:r>
               <a:rPr lang="ru-RU" sz="3200" dirty="0" smtClean="0"/>
-              <a:t>Сделать выводы</a:t>
+              <a:t>Оптимизировать конструкцию</a:t>
             </a:r>
             <a:endParaRPr lang="ru-RU" sz="3200" dirty="0"/>
           </a:p>
@@ -9201,8 +9201,17 @@
             </a:r>
             <a:r>
               <a:rPr lang="ru-RU" sz="2800" dirty="0" smtClean="0"/>
-              <a:t>колесами.</a:t>
-            </a:r>
+              <a:t>колесами (</a:t>
+            </a:r>
+            <a:r>
+              <a:rPr lang="ru-RU" sz="2800" dirty="0" err="1" smtClean="0"/>
+              <a:t>омнивилл</a:t>
+            </a:r>
+            <a:r>
+              <a:rPr lang="ru-RU" sz="2800" dirty="0" smtClean="0"/>
+              <a:t>).</a:t>
+            </a:r>
+            <a:endParaRPr lang="ru-RU" sz="2800" dirty="0" smtClean="0"/>
           </a:p>
           <a:p>
             <a:pPr marL="0" indent="0">
@@ -9228,6 +9237,47 @@
           </a:p>
         </p:txBody>
       </p:sp>
+      <p:pic>
+        <p:nvPicPr>
+          <p:cNvPr id="1026" name="Picture 2" descr="Robotino — Википедия"/>
+          <p:cNvPicPr>
+            <a:picLocks noChangeAspect="1" noChangeArrowheads="1"/>
+          </p:cNvPicPr>
+          <p:nvPr/>
+        </p:nvPicPr>
+        <p:blipFill>
+          <a:blip r:embed="rId2">
+            <a:extLst>
+              <a:ext uri="{28A0092B-C50C-407E-A947-70E740481C1C}">
+                <a14:useLocalDpi xmlns:a14="http://schemas.microsoft.com/office/drawing/2010/main" val="0"/>
+              </a:ext>
+            </a:extLst>
+          </a:blip>
+          <a:srcRect/>
+          <a:stretch>
+            <a:fillRect/>
+          </a:stretch>
+        </p:blipFill>
+        <p:spPr bwMode="auto">
+          <a:xfrm>
+            <a:off x="7479484" y="2245249"/>
+            <a:ext cx="4338047" cy="4446499"/>
+          </a:xfrm>
+          <a:prstGeom prst="rect">
+            <a:avLst/>
+          </a:prstGeom>
+          <a:noFill/>
+          <a:extLst>
+            <a:ext uri="{909E8E84-426E-40DD-AFC4-6F175D3DCCD1}">
+              <a14:hiddenFill xmlns:a14="http://schemas.microsoft.com/office/drawing/2010/main">
+                <a:solidFill>
+                  <a:srgbClr val="FFFFFF"/>
+                </a:solidFill>
+              </a14:hiddenFill>
+            </a:ext>
+          </a:extLst>
+        </p:spPr>
+      </p:pic>
     </p:spTree>
     <p:extLst>
       <p:ext uri="{BB962C8B-B14F-4D97-AF65-F5344CB8AC3E}">
@@ -9887,20 +9937,17 @@
             </a:pPr>
             <a:r>
               <a:rPr lang="ru-RU" sz="2800" dirty="0" smtClean="0"/>
-              <a:t>В конструкции робота используется две камеры. Одна для определения объектов непосредственно перед роботом, а </a:t>
-            </a:r>
-            <a:r>
-              <a:rPr lang="ru-RU" sz="2800" smtClean="0"/>
-              <a:t>вторая </a:t>
-            </a:r>
-            <a:r>
-              <a:rPr lang="ru-RU" sz="2800" smtClean="0"/>
-              <a:t>для </a:t>
+              <a:t>В конструкции робота используется </a:t>
+            </a:r>
+            <a:r>
+              <a:rPr lang="ru-RU" sz="2800" dirty="0" err="1" smtClean="0"/>
+              <a:t>вэб</a:t>
             </a:r>
             <a:r>
               <a:rPr lang="ru-RU" sz="2800" dirty="0" smtClean="0"/>
-              <a:t>определения типа продукции в контейнере и подсчёта их количества.</a:t>
-            </a:r>
+              <a:t> камера. </a:t>
+            </a:r>
+            <a:endParaRPr lang="ru-RU" sz="2800" dirty="0" smtClean="0"/>
           </a:p>
           <a:p>
             <a:pPr marL="0" indent="0">

--- a/Presentation/Презентация проектных решений.pptx
+++ b/Presentation/Презентация проектных решений.pptx
@@ -2,10 +2,10 @@
 <file path=ppt/presentation.xml><?xml version="1.0" encoding="utf-8"?>
 <p:presentation xmlns:a="http://schemas.openxmlformats.org/drawingml/2006/main" xmlns:r="http://schemas.openxmlformats.org/officeDocument/2006/relationships" xmlns:p="http://schemas.openxmlformats.org/presentationml/2006/main" saveSubsetFonts="1">
   <p:sldMasterIdLst>
-    <p:sldMasterId id="2147483876" r:id="rId1"/>
+    <p:sldMasterId id="2147483912" r:id="rId1"/>
   </p:sldMasterIdLst>
   <p:notesMasterIdLst>
-    <p:notesMasterId r:id="rId15"/>
+    <p:notesMasterId r:id="rId19"/>
   </p:notesMasterIdLst>
   <p:sldIdLst>
     <p:sldId id="256" r:id="rId2"/>
@@ -13,14 +13,18 @@
     <p:sldId id="258" r:id="rId4"/>
     <p:sldId id="259" r:id="rId5"/>
     <p:sldId id="261" r:id="rId6"/>
-    <p:sldId id="260" r:id="rId7"/>
-    <p:sldId id="264" r:id="rId8"/>
-    <p:sldId id="263" r:id="rId9"/>
-    <p:sldId id="265" r:id="rId10"/>
-    <p:sldId id="266" r:id="rId11"/>
-    <p:sldId id="267" r:id="rId12"/>
-    <p:sldId id="262" r:id="rId13"/>
-    <p:sldId id="268" r:id="rId14"/>
+    <p:sldId id="270" r:id="rId7"/>
+    <p:sldId id="269" r:id="rId8"/>
+    <p:sldId id="260" r:id="rId9"/>
+    <p:sldId id="264" r:id="rId10"/>
+    <p:sldId id="271" r:id="rId11"/>
+    <p:sldId id="263" r:id="rId12"/>
+    <p:sldId id="272" r:id="rId13"/>
+    <p:sldId id="265" r:id="rId14"/>
+    <p:sldId id="266" r:id="rId15"/>
+    <p:sldId id="267" r:id="rId16"/>
+    <p:sldId id="262" r:id="rId17"/>
+    <p:sldId id="268" r:id="rId18"/>
   </p:sldIdLst>
   <p:sldSz cx="12192000" cy="6858000"/>
   <p:notesSz cx="6858000" cy="9144000"/>
@@ -209,7 +213,7 @@
           <a:p>
             <a:fld id="{7D75D1B2-29F9-4C82-95E2-C215E62E72C1}" type="datetimeFigureOut">
               <a:rPr lang="ru-RU" smtClean="0"/>
-              <a:t>12.09.2020</a:t>
+              <a:t>13.09.2020</a:t>
             </a:fld>
             <a:endParaRPr lang="ru-RU"/>
           </a:p>
@@ -542,7 +546,91 @@
           <a:p>
             <a:fld id="{843B2550-E430-4D64-882F-5EB6F7679417}" type="slidenum">
               <a:rPr lang="ru-RU" smtClean="0"/>
-              <a:t>12</a:t>
+              <a:t>2</a:t>
+            </a:fld>
+            <a:endParaRPr lang="ru-RU"/>
+          </a:p>
+        </p:txBody>
+      </p:sp>
+    </p:spTree>
+    <p:extLst>
+      <p:ext uri="{BB962C8B-B14F-4D97-AF65-F5344CB8AC3E}">
+        <p14:creationId xmlns:p14="http://schemas.microsoft.com/office/powerpoint/2010/main" val="1621269782"/>
+      </p:ext>
+    </p:extLst>
+  </p:cSld>
+  <p:clrMapOvr>
+    <a:masterClrMapping/>
+  </p:clrMapOvr>
+</p:notes>
+</file>
+
+<file path=ppt/notesSlides/notesSlide2.xml><?xml version="1.0" encoding="utf-8"?>
+<p:notes xmlns:a="http://schemas.openxmlformats.org/drawingml/2006/main" xmlns:r="http://schemas.openxmlformats.org/officeDocument/2006/relationships" xmlns:p="http://schemas.openxmlformats.org/presentationml/2006/main">
+  <p:cSld>
+    <p:spTree>
+      <p:nvGrpSpPr>
+        <p:cNvPr id="1" name=""/>
+        <p:cNvGrpSpPr/>
+        <p:nvPr/>
+      </p:nvGrpSpPr>
+      <p:grpSpPr>
+        <a:xfrm>
+          <a:off x="0" y="0"/>
+          <a:ext cx="0" cy="0"/>
+          <a:chOff x="0" y="0"/>
+          <a:chExt cx="0" cy="0"/>
+        </a:xfrm>
+      </p:grpSpPr>
+      <p:sp>
+        <p:nvSpPr>
+          <p:cNvPr id="2" name="Образ слайда 1"/>
+          <p:cNvSpPr>
+            <a:spLocks noGrp="1" noRot="1" noChangeAspect="1"/>
+          </p:cNvSpPr>
+          <p:nvPr>
+            <p:ph type="sldImg"/>
+          </p:nvPr>
+        </p:nvSpPr>
+        <p:spPr/>
+      </p:sp>
+      <p:sp>
+        <p:nvSpPr>
+          <p:cNvPr id="3" name="Заметки 2"/>
+          <p:cNvSpPr>
+            <a:spLocks noGrp="1"/>
+          </p:cNvSpPr>
+          <p:nvPr>
+            <p:ph type="body" idx="1"/>
+          </p:nvPr>
+        </p:nvSpPr>
+        <p:spPr/>
+        <p:txBody>
+          <a:bodyPr/>
+          <a:lstStyle/>
+          <a:p>
+            <a:endParaRPr lang="ru-RU" dirty="0"/>
+          </a:p>
+        </p:txBody>
+      </p:sp>
+      <p:sp>
+        <p:nvSpPr>
+          <p:cNvPr id="4" name="Номер слайда 3"/>
+          <p:cNvSpPr>
+            <a:spLocks noGrp="1"/>
+          </p:cNvSpPr>
+          <p:nvPr>
+            <p:ph type="sldNum" sz="quarter" idx="10"/>
+          </p:nvPr>
+        </p:nvSpPr>
+        <p:spPr/>
+        <p:txBody>
+          <a:bodyPr/>
+          <a:lstStyle/>
+          <a:p>
+            <a:fld id="{843B2550-E430-4D64-882F-5EB6F7679417}" type="slidenum">
+              <a:rPr lang="ru-RU" smtClean="0"/>
+              <a:t>16</a:t>
             </a:fld>
             <a:endParaRPr lang="ru-RU"/>
           </a:p>
@@ -835,7 +923,7 @@
           <a:p>
             <a:fld id="{5A36816B-33A0-4281-84E1-A17C70CB85B0}" type="datetimeFigureOut">
               <a:rPr lang="ru-RU" smtClean="0"/>
-              <a:t>12.09.2020</a:t>
+              <a:t>13.09.2020</a:t>
             </a:fld>
             <a:endParaRPr lang="ru-RU"/>
           </a:p>
@@ -891,7 +979,7 @@
     </p:spTree>
     <p:extLst>
       <p:ext uri="{BB962C8B-B14F-4D97-AF65-F5344CB8AC3E}">
-        <p14:creationId xmlns:p14="http://schemas.microsoft.com/office/powerpoint/2010/main" val="3369566474"/>
+        <p14:creationId xmlns:p14="http://schemas.microsoft.com/office/powerpoint/2010/main" val="201482818"/>
       </p:ext>
     </p:extLst>
   </p:cSld>
@@ -1249,7 +1337,7 @@
           <a:p>
             <a:fld id="{5A36816B-33A0-4281-84E1-A17C70CB85B0}" type="datetimeFigureOut">
               <a:rPr lang="ru-RU" smtClean="0"/>
-              <a:t>12.09.2020</a:t>
+              <a:t>13.09.2020</a:t>
             </a:fld>
             <a:endParaRPr lang="ru-RU"/>
           </a:p>
@@ -1305,7 +1393,7 @@
     </p:spTree>
     <p:extLst>
       <p:ext uri="{BB962C8B-B14F-4D97-AF65-F5344CB8AC3E}">
-        <p14:creationId xmlns:p14="http://schemas.microsoft.com/office/powerpoint/2010/main" val="2592647770"/>
+        <p14:creationId xmlns:p14="http://schemas.microsoft.com/office/powerpoint/2010/main" val="1121832059"/>
       </p:ext>
     </p:extLst>
   </p:cSld>
@@ -1585,7 +1673,7 @@
           <a:p>
             <a:fld id="{5A36816B-33A0-4281-84E1-A17C70CB85B0}" type="datetimeFigureOut">
               <a:rPr lang="ru-RU" smtClean="0"/>
-              <a:t>12.09.2020</a:t>
+              <a:t>13.09.2020</a:t>
             </a:fld>
             <a:endParaRPr lang="ru-RU"/>
           </a:p>
@@ -1641,7 +1729,7 @@
     </p:spTree>
     <p:extLst>
       <p:ext uri="{BB962C8B-B14F-4D97-AF65-F5344CB8AC3E}">
-        <p14:creationId xmlns:p14="http://schemas.microsoft.com/office/powerpoint/2010/main" val="2441115458"/>
+        <p14:creationId xmlns:p14="http://schemas.microsoft.com/office/powerpoint/2010/main" val="1917454723"/>
       </p:ext>
     </p:extLst>
   </p:cSld>
@@ -1990,7 +2078,7 @@
           <a:p>
             <a:fld id="{5A36816B-33A0-4281-84E1-A17C70CB85B0}" type="datetimeFigureOut">
               <a:rPr lang="ru-RU" smtClean="0"/>
-              <a:t>12.09.2020</a:t>
+              <a:t>13.09.2020</a:t>
             </a:fld>
             <a:endParaRPr lang="ru-RU"/>
           </a:p>
@@ -2278,7 +2366,7 @@
     </p:spTree>
     <p:extLst>
       <p:ext uri="{BB962C8B-B14F-4D97-AF65-F5344CB8AC3E}">
-        <p14:creationId xmlns:p14="http://schemas.microsoft.com/office/powerpoint/2010/main" val="2749582889"/>
+        <p14:creationId xmlns:p14="http://schemas.microsoft.com/office/powerpoint/2010/main" val="1731201524"/>
       </p:ext>
     </p:extLst>
   </p:cSld>
@@ -2558,7 +2646,7 @@
           <a:p>
             <a:fld id="{5A36816B-33A0-4281-84E1-A17C70CB85B0}" type="datetimeFigureOut">
               <a:rPr lang="ru-RU" smtClean="0"/>
-              <a:t>12.09.2020</a:t>
+              <a:t>13.09.2020</a:t>
             </a:fld>
             <a:endParaRPr lang="ru-RU"/>
           </a:p>
@@ -2614,7 +2702,7 @@
     </p:spTree>
     <p:extLst>
       <p:ext uri="{BB962C8B-B14F-4D97-AF65-F5344CB8AC3E}">
-        <p14:creationId xmlns:p14="http://schemas.microsoft.com/office/powerpoint/2010/main" val="1992676079"/>
+        <p14:creationId xmlns:p14="http://schemas.microsoft.com/office/powerpoint/2010/main" val="1336889883"/>
       </p:ext>
     </p:extLst>
   </p:cSld>
@@ -3239,7 +3327,7 @@
           <a:p>
             <a:fld id="{5A36816B-33A0-4281-84E1-A17C70CB85B0}" type="datetimeFigureOut">
               <a:rPr lang="ru-RU" smtClean="0"/>
-              <a:t>12.09.2020</a:t>
+              <a:t>13.09.2020</a:t>
             </a:fld>
             <a:endParaRPr lang="ru-RU"/>
           </a:p>
@@ -3290,7 +3378,7 @@
     </p:spTree>
     <p:extLst>
       <p:ext uri="{BB962C8B-B14F-4D97-AF65-F5344CB8AC3E}">
-        <p14:creationId xmlns:p14="http://schemas.microsoft.com/office/powerpoint/2010/main" val="455649726"/>
+        <p14:creationId xmlns:p14="http://schemas.microsoft.com/office/powerpoint/2010/main" val="2379211475"/>
       </p:ext>
     </p:extLst>
   </p:cSld>
@@ -4152,7 +4240,7 @@
           <a:p>
             <a:fld id="{5A36816B-33A0-4281-84E1-A17C70CB85B0}" type="datetimeFigureOut">
               <a:rPr lang="ru-RU" smtClean="0"/>
-              <a:t>12.09.2020</a:t>
+              <a:t>13.09.2020</a:t>
             </a:fld>
             <a:endParaRPr lang="ru-RU"/>
           </a:p>
@@ -4203,7 +4291,7 @@
     </p:spTree>
     <p:extLst>
       <p:ext uri="{BB962C8B-B14F-4D97-AF65-F5344CB8AC3E}">
-        <p14:creationId xmlns:p14="http://schemas.microsoft.com/office/powerpoint/2010/main" val="4279067967"/>
+        <p14:creationId xmlns:p14="http://schemas.microsoft.com/office/powerpoint/2010/main" val="328475114"/>
       </p:ext>
     </p:extLst>
   </p:cSld>
@@ -4465,7 +4553,7 @@
           <a:p>
             <a:fld id="{5A36816B-33A0-4281-84E1-A17C70CB85B0}" type="datetimeFigureOut">
               <a:rPr lang="ru-RU" smtClean="0"/>
-              <a:t>12.09.2020</a:t>
+              <a:t>13.09.2020</a:t>
             </a:fld>
             <a:endParaRPr lang="ru-RU"/>
           </a:p>
@@ -4516,7 +4604,7 @@
     </p:spTree>
     <p:extLst>
       <p:ext uri="{BB962C8B-B14F-4D97-AF65-F5344CB8AC3E}">
-        <p14:creationId xmlns:p14="http://schemas.microsoft.com/office/powerpoint/2010/main" val="1944058536"/>
+        <p14:creationId xmlns:p14="http://schemas.microsoft.com/office/powerpoint/2010/main" val="1351775970"/>
       </p:ext>
     </p:extLst>
   </p:cSld>
@@ -4729,7 +4817,7 @@
           <a:p>
             <a:fld id="{5A36816B-33A0-4281-84E1-A17C70CB85B0}" type="datetimeFigureOut">
               <a:rPr lang="ru-RU" smtClean="0"/>
-              <a:t>12.09.2020</a:t>
+              <a:t>13.09.2020</a:t>
             </a:fld>
             <a:endParaRPr lang="ru-RU"/>
           </a:p>
@@ -4794,7 +4882,7 @@
     </p:spTree>
     <p:extLst>
       <p:ext uri="{BB962C8B-B14F-4D97-AF65-F5344CB8AC3E}">
-        <p14:creationId xmlns:p14="http://schemas.microsoft.com/office/powerpoint/2010/main" val="3989729005"/>
+        <p14:creationId xmlns:p14="http://schemas.microsoft.com/office/powerpoint/2010/main" val="631514903"/>
       </p:ext>
     </p:extLst>
   </p:cSld>
@@ -5052,7 +5140,7 @@
           <a:p>
             <a:fld id="{5A36816B-33A0-4281-84E1-A17C70CB85B0}" type="datetimeFigureOut">
               <a:rPr lang="ru-RU" smtClean="0"/>
-              <a:t>12.09.2020</a:t>
+              <a:t>13.09.2020</a:t>
             </a:fld>
             <a:endParaRPr lang="ru-RU"/>
           </a:p>
@@ -5103,7 +5191,7 @@
     </p:spTree>
     <p:extLst>
       <p:ext uri="{BB962C8B-B14F-4D97-AF65-F5344CB8AC3E}">
-        <p14:creationId xmlns:p14="http://schemas.microsoft.com/office/powerpoint/2010/main" val="1967780896"/>
+        <p14:creationId xmlns:p14="http://schemas.microsoft.com/office/powerpoint/2010/main" val="2352184663"/>
       </p:ext>
     </p:extLst>
   </p:cSld>
@@ -5441,7 +5529,7 @@
           <a:p>
             <a:fld id="{5A36816B-33A0-4281-84E1-A17C70CB85B0}" type="datetimeFigureOut">
               <a:rPr lang="ru-RU" smtClean="0"/>
-              <a:t>12.09.2020</a:t>
+              <a:t>13.09.2020</a:t>
             </a:fld>
             <a:endParaRPr lang="ru-RU"/>
           </a:p>
@@ -5497,7 +5585,7 @@
     </p:spTree>
     <p:extLst>
       <p:ext uri="{BB962C8B-B14F-4D97-AF65-F5344CB8AC3E}">
-        <p14:creationId xmlns:p14="http://schemas.microsoft.com/office/powerpoint/2010/main" val="2319779251"/>
+        <p14:creationId xmlns:p14="http://schemas.microsoft.com/office/powerpoint/2010/main" val="974207034"/>
       </p:ext>
     </p:extLst>
   </p:cSld>
@@ -5817,7 +5905,7 @@
           <a:p>
             <a:fld id="{5A36816B-33A0-4281-84E1-A17C70CB85B0}" type="datetimeFigureOut">
               <a:rPr lang="ru-RU" smtClean="0"/>
-              <a:t>12.09.2020</a:t>
+              <a:t>13.09.2020</a:t>
             </a:fld>
             <a:endParaRPr lang="ru-RU"/>
           </a:p>
@@ -5868,7 +5956,7 @@
     </p:spTree>
     <p:extLst>
       <p:ext uri="{BB962C8B-B14F-4D97-AF65-F5344CB8AC3E}">
-        <p14:creationId xmlns:p14="http://schemas.microsoft.com/office/powerpoint/2010/main" val="469627726"/>
+        <p14:creationId xmlns:p14="http://schemas.microsoft.com/office/powerpoint/2010/main" val="3050298664"/>
       </p:ext>
     </p:extLst>
   </p:cSld>
@@ -6323,7 +6411,7 @@
           <a:p>
             <a:fld id="{5A36816B-33A0-4281-84E1-A17C70CB85B0}" type="datetimeFigureOut">
               <a:rPr lang="ru-RU" smtClean="0"/>
-              <a:t>12.09.2020</a:t>
+              <a:t>13.09.2020</a:t>
             </a:fld>
             <a:endParaRPr lang="ru-RU"/>
           </a:p>
@@ -6374,7 +6462,7 @@
     </p:spTree>
     <p:extLst>
       <p:ext uri="{BB962C8B-B14F-4D97-AF65-F5344CB8AC3E}">
-        <p14:creationId xmlns:p14="http://schemas.microsoft.com/office/powerpoint/2010/main" val="3618546211"/>
+        <p14:creationId xmlns:p14="http://schemas.microsoft.com/office/powerpoint/2010/main" val="4118480717"/>
       </p:ext>
     </p:extLst>
   </p:cSld>
@@ -6580,7 +6668,7 @@
           <a:p>
             <a:fld id="{5A36816B-33A0-4281-84E1-A17C70CB85B0}" type="datetimeFigureOut">
               <a:rPr lang="ru-RU" smtClean="0"/>
-              <a:t>12.09.2020</a:t>
+              <a:t>13.09.2020</a:t>
             </a:fld>
             <a:endParaRPr lang="ru-RU"/>
           </a:p>
@@ -6631,7 +6719,7 @@
     </p:spTree>
     <p:extLst>
       <p:ext uri="{BB962C8B-B14F-4D97-AF65-F5344CB8AC3E}">
-        <p14:creationId xmlns:p14="http://schemas.microsoft.com/office/powerpoint/2010/main" val="1773457794"/>
+        <p14:creationId xmlns:p14="http://schemas.microsoft.com/office/powerpoint/2010/main" val="1437326534"/>
       </p:ext>
     </p:extLst>
   </p:cSld>
@@ -6743,7 +6831,7 @@
           <a:p>
             <a:fld id="{5A36816B-33A0-4281-84E1-A17C70CB85B0}" type="datetimeFigureOut">
               <a:rPr lang="ru-RU" smtClean="0"/>
-              <a:t>12.09.2020</a:t>
+              <a:t>13.09.2020</a:t>
             </a:fld>
             <a:endParaRPr lang="ru-RU"/>
           </a:p>
@@ -6794,7 +6882,7 @@
     </p:spTree>
     <p:extLst>
       <p:ext uri="{BB962C8B-B14F-4D97-AF65-F5344CB8AC3E}">
-        <p14:creationId xmlns:p14="http://schemas.microsoft.com/office/powerpoint/2010/main" val="3392923116"/>
+        <p14:creationId xmlns:p14="http://schemas.microsoft.com/office/powerpoint/2010/main" val="641473402"/>
       </p:ext>
     </p:extLst>
   </p:cSld>
@@ -7133,7 +7221,7 @@
           <a:p>
             <a:fld id="{5A36816B-33A0-4281-84E1-A17C70CB85B0}" type="datetimeFigureOut">
               <a:rPr lang="ru-RU" smtClean="0"/>
-              <a:t>12.09.2020</a:t>
+              <a:t>13.09.2020</a:t>
             </a:fld>
             <a:endParaRPr lang="ru-RU"/>
           </a:p>
@@ -7184,7 +7272,7 @@
     </p:spTree>
     <p:extLst>
       <p:ext uri="{BB962C8B-B14F-4D97-AF65-F5344CB8AC3E}">
-        <p14:creationId xmlns:p14="http://schemas.microsoft.com/office/powerpoint/2010/main" val="2551151998"/>
+        <p14:creationId xmlns:p14="http://schemas.microsoft.com/office/powerpoint/2010/main" val="2834903366"/>
       </p:ext>
     </p:extLst>
   </p:cSld>
@@ -7542,7 +7630,7 @@
           <a:p>
             <a:fld id="{5A36816B-33A0-4281-84E1-A17C70CB85B0}" type="datetimeFigureOut">
               <a:rPr lang="ru-RU" smtClean="0"/>
-              <a:t>12.09.2020</a:t>
+              <a:t>13.09.2020</a:t>
             </a:fld>
             <a:endParaRPr lang="ru-RU"/>
           </a:p>
@@ -7593,7 +7681,7 @@
     </p:spTree>
     <p:extLst>
       <p:ext uri="{BB962C8B-B14F-4D97-AF65-F5344CB8AC3E}">
-        <p14:creationId xmlns:p14="http://schemas.microsoft.com/office/powerpoint/2010/main" val="355930845"/>
+        <p14:creationId xmlns:p14="http://schemas.microsoft.com/office/powerpoint/2010/main" val="3996558426"/>
       </p:ext>
     </p:extLst>
   </p:cSld>
@@ -7786,7 +7874,7 @@
           <a:p>
             <a:fld id="{5A36816B-33A0-4281-84E1-A17C70CB85B0}" type="datetimeFigureOut">
               <a:rPr lang="ru-RU" smtClean="0"/>
-              <a:t>12.09.2020</a:t>
+              <a:t>13.09.2020</a:t>
             </a:fld>
             <a:endParaRPr lang="ru-RU"/>
           </a:p>
@@ -7873,29 +7961,29 @@
     </p:spTree>
     <p:extLst>
       <p:ext uri="{BB962C8B-B14F-4D97-AF65-F5344CB8AC3E}">
-        <p14:creationId xmlns:p14="http://schemas.microsoft.com/office/powerpoint/2010/main" val="1580834432"/>
+        <p14:creationId xmlns:p14="http://schemas.microsoft.com/office/powerpoint/2010/main" val="3862330448"/>
       </p:ext>
     </p:extLst>
   </p:cSld>
   <p:clrMap bg1="dk1" tx1="lt1" bg2="dk2" tx2="lt2" accent1="accent1" accent2="accent2" accent3="accent3" accent4="accent4" accent5="accent5" accent6="accent6" hlink="hlink" folHlink="folHlink"/>
   <p:sldLayoutIdLst>
-    <p:sldLayoutId id="2147483877" r:id="rId1"/>
-    <p:sldLayoutId id="2147483878" r:id="rId2"/>
-    <p:sldLayoutId id="2147483879" r:id="rId3"/>
-    <p:sldLayoutId id="2147483880" r:id="rId4"/>
-    <p:sldLayoutId id="2147483881" r:id="rId5"/>
-    <p:sldLayoutId id="2147483882" r:id="rId6"/>
-    <p:sldLayoutId id="2147483883" r:id="rId7"/>
-    <p:sldLayoutId id="2147483884" r:id="rId8"/>
-    <p:sldLayoutId id="2147483885" r:id="rId9"/>
-    <p:sldLayoutId id="2147483886" r:id="rId10"/>
-    <p:sldLayoutId id="2147483887" r:id="rId11"/>
-    <p:sldLayoutId id="2147483888" r:id="rId12"/>
-    <p:sldLayoutId id="2147483889" r:id="rId13"/>
-    <p:sldLayoutId id="2147483890" r:id="rId14"/>
-    <p:sldLayoutId id="2147483891" r:id="rId15"/>
-    <p:sldLayoutId id="2147483892" r:id="rId16"/>
-    <p:sldLayoutId id="2147483893" r:id="rId17"/>
+    <p:sldLayoutId id="2147483913" r:id="rId1"/>
+    <p:sldLayoutId id="2147483914" r:id="rId2"/>
+    <p:sldLayoutId id="2147483915" r:id="rId3"/>
+    <p:sldLayoutId id="2147483916" r:id="rId4"/>
+    <p:sldLayoutId id="2147483917" r:id="rId5"/>
+    <p:sldLayoutId id="2147483918" r:id="rId6"/>
+    <p:sldLayoutId id="2147483919" r:id="rId7"/>
+    <p:sldLayoutId id="2147483920" r:id="rId8"/>
+    <p:sldLayoutId id="2147483921" r:id="rId9"/>
+    <p:sldLayoutId id="2147483922" r:id="rId10"/>
+    <p:sldLayoutId id="2147483923" r:id="rId11"/>
+    <p:sldLayoutId id="2147483924" r:id="rId12"/>
+    <p:sldLayoutId id="2147483925" r:id="rId13"/>
+    <p:sldLayoutId id="2147483926" r:id="rId14"/>
+    <p:sldLayoutId id="2147483927" r:id="rId15"/>
+    <p:sldLayoutId id="2147483928" r:id="rId16"/>
+    <p:sldLayoutId id="2147483929" r:id="rId17"/>
   </p:sldLayoutIdLst>
   <p:txStyles>
     <p:titleStyle>
@@ -8237,26 +8325,39 @@
         </p:nvSpPr>
         <p:spPr>
           <a:xfrm>
-            <a:off x="680322" y="4865615"/>
-            <a:ext cx="8144134" cy="1375953"/>
+            <a:off x="680322" y="4479721"/>
+            <a:ext cx="8144134" cy="1761847"/>
           </a:xfrm>
         </p:spPr>
         <p:txBody>
           <a:bodyPr>
-            <a:normAutofit/>
+            <a:normAutofit lnSpcReduction="10000"/>
           </a:bodyPr>
           <a:lstStyle/>
           <a:p>
             <a:r>
               <a:rPr lang="ru-RU" sz="2400" dirty="0" smtClean="0"/>
-              <a:t>Дубатовка Владислав, Нечаев Вадим</a:t>
-            </a:r>
-            <a:endParaRPr lang="ru-RU" sz="2400" dirty="0"/>
-          </a:p>
-          <a:p>
+              <a:t>Дубатовка Владислав, Нечаев </a:t>
+            </a:r>
+            <a:r>
+              <a:rPr lang="ru-RU" sz="2400" dirty="0" smtClean="0"/>
+              <a:t>Вадим</a:t>
+            </a:r>
+          </a:p>
+          <a:p>
+            <a:r>
+              <a:rPr lang="ru-RU" sz="2400" dirty="0" smtClean="0"/>
+              <a:t>Руководитель: Прохорович Сергей</a:t>
+            </a:r>
+          </a:p>
+          <a:p>
+            <a:r>
+              <a:rPr lang="ru-RU" sz="2400" dirty="0" smtClean="0"/>
+              <a:t>Компетенция </a:t>
+            </a:r>
             <a:r>
               <a:rPr lang="ru-RU" sz="2400" dirty="0"/>
-              <a:t>Компетенция Мобильная робототехника</a:t>
+              <a:t>Мобильная робототехника</a:t>
             </a:r>
           </a:p>
           <a:p>
@@ -8317,16 +8418,14 @@
         </p:nvSpPr>
         <p:spPr/>
         <p:txBody>
-          <a:bodyPr>
-            <a:noAutofit/>
-          </a:bodyPr>
+          <a:bodyPr/>
           <a:lstStyle/>
           <a:p>
             <a:r>
-              <a:rPr lang="ru-RU" sz="4400" dirty="0" smtClean="0"/>
-              <a:t>Построение алгоритма работы мобильной платформы</a:t>
-            </a:r>
-            <a:endParaRPr lang="ru-RU" sz="4400" dirty="0"/>
+              <a:rPr lang="ru-RU" dirty="0" smtClean="0"/>
+              <a:t>Сервопривод захвата</a:t>
+            </a:r>
+            <a:endParaRPr lang="ru-RU" dirty="0"/>
           </a:p>
         </p:txBody>
       </p:sp>
@@ -8342,19 +8441,17 @@
         </p:nvSpPr>
         <p:spPr/>
         <p:txBody>
-          <a:bodyPr>
-            <a:normAutofit/>
-          </a:bodyPr>
+          <a:bodyPr/>
           <a:lstStyle/>
           <a:p>
-            <a:endParaRPr lang="ru-RU" sz="2800" dirty="0"/>
+            <a:endParaRPr lang="ru-RU" dirty="0"/>
           </a:p>
         </p:txBody>
       </p:sp>
     </p:spTree>
     <p:extLst>
       <p:ext uri="{BB962C8B-B14F-4D97-AF65-F5344CB8AC3E}">
-        <p14:creationId xmlns:p14="http://schemas.microsoft.com/office/powerpoint/2010/main" val="2448969292"/>
+        <p14:creationId xmlns:p14="http://schemas.microsoft.com/office/powerpoint/2010/main" val="27581562"/>
       </p:ext>
     </p:extLst>
   </p:cSld>
@@ -8400,86 +8497,203 @@
         </p:nvSpPr>
         <p:spPr/>
         <p:txBody>
-          <a:bodyPr/>
-          <a:lstStyle/>
-          <a:p>
-            <a:r>
-              <a:rPr lang="ru-RU" sz="4800" dirty="0" smtClean="0"/>
-              <a:t>Перспективы</a:t>
-            </a:r>
-            <a:endParaRPr lang="ru-RU" dirty="0"/>
-          </a:p>
-        </p:txBody>
-      </p:sp>
-      <p:sp>
-        <p:nvSpPr>
-          <p:cNvPr id="3" name="Объект 2"/>
-          <p:cNvSpPr>
-            <a:spLocks noGrp="1"/>
-          </p:cNvSpPr>
-          <p:nvPr>
-            <p:ph idx="1"/>
-          </p:nvPr>
-        </p:nvSpPr>
-        <p:spPr>
-          <a:xfrm>
-            <a:off x="680321" y="2077278"/>
-            <a:ext cx="11127366" cy="4780721"/>
-          </a:xfrm>
-        </p:spPr>
-        <p:txBody>
           <a:bodyPr>
             <a:normAutofit/>
           </a:bodyPr>
           <a:lstStyle/>
           <a:p>
             <a:r>
-              <a:rPr lang="ru-RU" sz="2800" dirty="0"/>
-              <a:t>При разработке </a:t>
-            </a:r>
-            <a:r>
-              <a:rPr lang="ru-RU" sz="2800" dirty="0" smtClean="0"/>
-              <a:t>используется </a:t>
-            </a:r>
-            <a:r>
-              <a:rPr lang="en-US" sz="2800" dirty="0"/>
-              <a:t>3D </a:t>
-            </a:r>
-            <a:r>
-              <a:rPr lang="ru-RU" sz="2800" dirty="0"/>
-              <a:t>принтер, что позволяет получить элементы конструкции практически любой сложности</a:t>
-            </a:r>
-            <a:r>
-              <a:rPr lang="ru-RU" sz="2800" dirty="0" smtClean="0"/>
+              <a:rPr lang="ru-RU" sz="4800" dirty="0" smtClean="0"/>
+              <a:t>Управление сервоприводом</a:t>
+            </a:r>
+            <a:endParaRPr lang="ru-RU" sz="4800" dirty="0"/>
+          </a:p>
+        </p:txBody>
+      </p:sp>
+      <p:sp>
+        <p:nvSpPr>
+          <p:cNvPr id="3" name="Объект 2"/>
+          <p:cNvSpPr>
+            <a:spLocks noGrp="1"/>
+          </p:cNvSpPr>
+          <p:nvPr>
+            <p:ph idx="1"/>
+          </p:nvPr>
+        </p:nvSpPr>
+        <p:spPr>
+          <a:xfrm>
+            <a:off x="367748" y="2456635"/>
+            <a:ext cx="5873661" cy="3982262"/>
+          </a:xfrm>
+        </p:spPr>
+        <p:txBody>
+          <a:bodyPr>
+            <a:noAutofit/>
+          </a:bodyPr>
+          <a:lstStyle/>
+          <a:p>
+            <a:pPr marL="0" indent="0">
+              <a:buNone/>
+            </a:pPr>
+            <a:r>
+              <a:rPr lang="ru-RU" sz="2600" dirty="0" smtClean="0">
+                <a:effectLst>
+                  <a:outerShdw blurRad="38100" dist="38100" dir="2700000" algn="tl">
+                    <a:srgbClr val="000000">
+                      <a:alpha val="43137"/>
+                    </a:srgbClr>
+                  </a:outerShdw>
+                </a:effectLst>
+              </a:rPr>
+              <a:t>Для управления захватом используется плата с распаянной системой защиты и стабилизации напряжения и 8-битным микроконтроллером </a:t>
+            </a:r>
+            <a:r>
+              <a:rPr lang="en-US" sz="2600" dirty="0" smtClean="0">
+                <a:effectLst>
+                  <a:outerShdw blurRad="38100" dist="38100" dir="2700000" algn="tl">
+                    <a:srgbClr val="000000">
+                      <a:alpha val="43137"/>
+                    </a:srgbClr>
+                  </a:outerShdw>
+                </a:effectLst>
+              </a:rPr>
+              <a:t>ATtiny85</a:t>
+            </a:r>
+            <a:r>
+              <a:rPr lang="ru-RU" sz="2600" dirty="0" smtClean="0">
+                <a:effectLst>
+                  <a:outerShdw blurRad="38100" dist="38100" dir="2700000" algn="tl">
+                    <a:srgbClr val="000000">
+                      <a:alpha val="43137"/>
+                    </a:srgbClr>
+                  </a:outerShdw>
+                </a:effectLst>
+              </a:rPr>
               <a:t>.</a:t>
             </a:r>
-          </a:p>
-          <a:p>
-            <a:r>
-              <a:rPr lang="ru-RU" sz="2800" dirty="0" smtClean="0"/>
-              <a:t>Разработанная конструкция легко масштабируется.</a:t>
-            </a:r>
-            <a:endParaRPr lang="ru-RU" sz="2800" dirty="0"/>
-          </a:p>
-          <a:p>
-            <a:r>
-              <a:rPr lang="ru-RU" sz="2800" dirty="0" smtClean="0"/>
-              <a:t>Современная элементная база позволяет реализовать данный проект с применением минимального количества элементов и упрощённой, при этом надёжной, схемой управления.</a:t>
-            </a:r>
-          </a:p>
-          <a:p>
-            <a:r>
-              <a:rPr lang="ru-RU" sz="2800" dirty="0" smtClean="0"/>
-              <a:t>Данный робот, отлично подходит как методическое пособие по изучению алгоритмов сортировки и перемещения объектов, разработки системы управления платформы со всенаправленными колёсами.</a:t>
-            </a:r>
-            <a:endParaRPr lang="ru-RU" sz="2800" dirty="0"/>
-          </a:p>
-        </p:txBody>
-      </p:sp>
+            <a:endParaRPr lang="en-US" sz="2600" dirty="0" smtClean="0">
+              <a:effectLst>
+                <a:outerShdw blurRad="38100" dist="38100" dir="2700000" algn="tl">
+                  <a:srgbClr val="000000">
+                    <a:alpha val="43137"/>
+                  </a:srgbClr>
+                </a:outerShdw>
+              </a:effectLst>
+            </a:endParaRPr>
+          </a:p>
+          <a:p>
+            <a:pPr marL="0" indent="0">
+              <a:buNone/>
+            </a:pPr>
+            <a:r>
+              <a:rPr lang="ru-RU" sz="2600" dirty="0" smtClean="0">
+                <a:effectLst>
+                  <a:outerShdw blurRad="38100" dist="38100" dir="2700000" algn="tl">
+                    <a:srgbClr val="000000">
+                      <a:alpha val="43137"/>
+                    </a:srgbClr>
+                  </a:outerShdw>
+                </a:effectLst>
+              </a:rPr>
+              <a:t>Выбрана за свои малые габариты и достаточное количество портов.</a:t>
+            </a:r>
+            <a:endParaRPr lang="ru-RU" sz="2600" dirty="0">
+              <a:effectLst>
+                <a:outerShdw blurRad="38100" dist="38100" dir="2700000" algn="tl">
+                  <a:srgbClr val="000000">
+                    <a:alpha val="43137"/>
+                  </a:srgbClr>
+                </a:outerShdw>
+              </a:effectLst>
+            </a:endParaRPr>
+          </a:p>
+          <a:p>
+            <a:pPr marL="0" indent="0">
+              <a:buNone/>
+            </a:pPr>
+            <a:r>
+              <a:rPr lang="ru-RU" sz="2600" dirty="0" smtClean="0">
+                <a:effectLst>
+                  <a:outerShdw blurRad="38100" dist="38100" dir="2700000" algn="tl">
+                    <a:srgbClr val="000000">
+                      <a:alpha val="43137"/>
+                    </a:srgbClr>
+                  </a:outerShdw>
+                </a:effectLst>
+              </a:rPr>
+              <a:t>Прошивка написана на языке </a:t>
+            </a:r>
+            <a:r>
+              <a:rPr lang="en-US" sz="2600" dirty="0" smtClean="0">
+                <a:effectLst>
+                  <a:outerShdw blurRad="38100" dist="38100" dir="2700000" algn="tl">
+                    <a:srgbClr val="000000">
+                      <a:alpha val="43137"/>
+                    </a:srgbClr>
+                  </a:outerShdw>
+                </a:effectLst>
+              </a:rPr>
+              <a:t>C</a:t>
+            </a:r>
+            <a:r>
+              <a:rPr lang="ru-RU" sz="2600" dirty="0" smtClean="0">
+                <a:effectLst>
+                  <a:outerShdw blurRad="38100" dist="38100" dir="2700000" algn="tl">
+                    <a:srgbClr val="000000">
+                      <a:alpha val="43137"/>
+                    </a:srgbClr>
+                  </a:outerShdw>
+                </a:effectLst>
+              </a:rPr>
+              <a:t>. При получении логического уровня на одном из портов захват сжимается.</a:t>
+            </a:r>
+          </a:p>
+        </p:txBody>
+      </p:sp>
+      <p:pic>
+        <p:nvPicPr>
+          <p:cNvPr id="5" name="Рисунок 4"/>
+          <p:cNvPicPr>
+            <a:picLocks noChangeAspect="1"/>
+          </p:cNvPicPr>
+          <p:nvPr/>
+        </p:nvPicPr>
+        <p:blipFill>
+          <a:blip r:embed="rId2" cstate="print">
+            <a:extLst>
+              <a:ext uri="{28A0092B-C50C-407E-A947-70E740481C1C}">
+                <a14:useLocalDpi xmlns:a14="http://schemas.microsoft.com/office/drawing/2010/main" val="0"/>
+              </a:ext>
+            </a:extLst>
+          </a:blip>
+          <a:stretch>
+            <a:fillRect/>
+          </a:stretch>
+        </p:blipFill>
+        <p:spPr>
+          <a:xfrm>
+            <a:off x="6460073" y="2456635"/>
+            <a:ext cx="5309681" cy="3982261"/>
+          </a:xfrm>
+          <a:prstGeom prst="rect">
+            <a:avLst/>
+          </a:prstGeom>
+          <a:ln>
+            <a:noFill/>
+          </a:ln>
+          <a:effectLst>
+            <a:outerShdw blurRad="190500" algn="tl" rotWithShape="0">
+              <a:srgbClr val="000000">
+                <a:alpha val="70000"/>
+              </a:srgbClr>
+            </a:outerShdw>
+          </a:effectLst>
+        </p:spPr>
+      </p:pic>
     </p:spTree>
     <p:extLst>
       <p:ext uri="{BB962C8B-B14F-4D97-AF65-F5344CB8AC3E}">
-        <p14:creationId xmlns:p14="http://schemas.microsoft.com/office/powerpoint/2010/main" val="1532357421"/>
+        <p14:creationId xmlns:p14="http://schemas.microsoft.com/office/powerpoint/2010/main" val="2786872387"/>
       </p:ext>
     </p:extLst>
   </p:cSld>
@@ -8529,6 +8743,597 @@
           <a:lstStyle/>
           <a:p>
             <a:r>
+              <a:rPr lang="ru-RU" dirty="0" smtClean="0"/>
+              <a:t>Микроконтроллер </a:t>
+            </a:r>
+            <a:r>
+              <a:rPr lang="en-US" dirty="0" smtClean="0"/>
+              <a:t>ATtiny85</a:t>
+            </a:r>
+            <a:endParaRPr lang="ru-RU" dirty="0"/>
+          </a:p>
+        </p:txBody>
+      </p:sp>
+      <p:sp>
+        <p:nvSpPr>
+          <p:cNvPr id="3" name="Объект 2"/>
+          <p:cNvSpPr>
+            <a:spLocks noGrp="1"/>
+          </p:cNvSpPr>
+          <p:nvPr>
+            <p:ph idx="1"/>
+          </p:nvPr>
+        </p:nvSpPr>
+        <p:spPr>
+          <a:xfrm>
+            <a:off x="680322" y="2336872"/>
+            <a:ext cx="7490556" cy="4365931"/>
+          </a:xfrm>
+        </p:spPr>
+        <p:txBody>
+          <a:bodyPr>
+            <a:normAutofit lnSpcReduction="10000"/>
+          </a:bodyPr>
+          <a:lstStyle/>
+          <a:p>
+            <a:r>
+              <a:rPr lang="en-US" dirty="0" smtClean="0"/>
+              <a:t>8-</a:t>
+            </a:r>
+            <a:r>
+              <a:rPr lang="ru-RU" dirty="0" smtClean="0"/>
+              <a:t>битный микроконтроллер с </a:t>
+            </a:r>
+            <a:r>
+              <a:rPr lang="en-US" dirty="0" smtClean="0"/>
+              <a:t>ARISC </a:t>
+            </a:r>
+            <a:r>
+              <a:rPr lang="ru-RU" dirty="0" smtClean="0"/>
+              <a:t>архитектурой (120 управляющих команд)</a:t>
+            </a:r>
+          </a:p>
+          <a:p>
+            <a:r>
+              <a:rPr lang="ru-RU" dirty="0" smtClean="0"/>
+              <a:t>32 регистра общего назначения</a:t>
+            </a:r>
+          </a:p>
+          <a:p>
+            <a:r>
+              <a:rPr lang="ru-RU" dirty="0" smtClean="0"/>
+              <a:t>8</a:t>
+            </a:r>
+            <a:r>
+              <a:rPr lang="en-US" dirty="0" smtClean="0"/>
+              <a:t>K </a:t>
+            </a:r>
+            <a:r>
+              <a:rPr lang="ru-RU" dirty="0" smtClean="0"/>
+              <a:t>для хранения программы</a:t>
+            </a:r>
+          </a:p>
+          <a:p>
+            <a:r>
+              <a:rPr lang="en-US" dirty="0" smtClean="0"/>
+              <a:t>512b EEPROM </a:t>
+            </a:r>
+            <a:r>
+              <a:rPr lang="ru-RU" dirty="0" smtClean="0"/>
+              <a:t>памяти</a:t>
+            </a:r>
+            <a:endParaRPr lang="ru-RU" dirty="0"/>
+          </a:p>
+          <a:p>
+            <a:r>
+              <a:rPr lang="ru-RU" dirty="0"/>
+              <a:t>Питание от 2.7 до 5.5</a:t>
+            </a:r>
+            <a:r>
+              <a:rPr lang="en-US" dirty="0"/>
+              <a:t>V</a:t>
+            </a:r>
+            <a:endParaRPr lang="ru-RU" dirty="0"/>
+          </a:p>
+          <a:p>
+            <a:r>
+              <a:rPr lang="ru-RU" dirty="0"/>
+              <a:t>Частота процессора до 20</a:t>
+            </a:r>
+            <a:r>
+              <a:rPr lang="en-US" dirty="0" smtClean="0"/>
+              <a:t>MHz</a:t>
+            </a:r>
+            <a:endParaRPr lang="ru-RU" dirty="0" smtClean="0"/>
+          </a:p>
+          <a:p>
+            <a:r>
+              <a:rPr lang="ru-RU" dirty="0" smtClean="0"/>
+              <a:t>8-битный таймер-счётчик с двумя каналами ШИМ</a:t>
+            </a:r>
+          </a:p>
+          <a:p>
+            <a:r>
+              <a:rPr lang="ru-RU" dirty="0" smtClean="0"/>
+              <a:t>8-битный быстрый </a:t>
+            </a:r>
+            <a:r>
+              <a:rPr lang="ru-RU" dirty="0"/>
+              <a:t>таймер-счётчик </a:t>
+            </a:r>
+            <a:r>
+              <a:rPr lang="ru-RU" dirty="0" smtClean="0"/>
+              <a:t>ШИМ</a:t>
+            </a:r>
+            <a:endParaRPr lang="en-US" dirty="0" smtClean="0"/>
+          </a:p>
+          <a:p>
+            <a:r>
+              <a:rPr lang="ru-RU" dirty="0" smtClean="0"/>
+              <a:t>10-битный АЦП</a:t>
+            </a:r>
+            <a:endParaRPr lang="ru-RU" dirty="0"/>
+          </a:p>
+        </p:txBody>
+      </p:sp>
+      <p:pic>
+        <p:nvPicPr>
+          <p:cNvPr id="2050" name="Picture 2" descr="ATTINY85-20SU Microchip Technology | ATTINY85-20SU-ND DigiKey Electronics"/>
+          <p:cNvPicPr>
+            <a:picLocks noChangeAspect="1" noChangeArrowheads="1"/>
+          </p:cNvPicPr>
+          <p:nvPr/>
+        </p:nvPicPr>
+        <p:blipFill>
+          <a:blip r:embed="rId2">
+            <a:extLst>
+              <a:ext uri="{28A0092B-C50C-407E-A947-70E740481C1C}">
+                <a14:useLocalDpi xmlns:a14="http://schemas.microsoft.com/office/drawing/2010/main" val="0"/>
+              </a:ext>
+            </a:extLst>
+          </a:blip>
+          <a:srcRect/>
+          <a:stretch>
+            <a:fillRect/>
+          </a:stretch>
+        </p:blipFill>
+        <p:spPr bwMode="auto">
+          <a:xfrm>
+            <a:off x="8313490" y="2811788"/>
+            <a:ext cx="3416096" cy="3416097"/>
+          </a:xfrm>
+          <a:prstGeom prst="rect">
+            <a:avLst/>
+          </a:prstGeom>
+          <a:noFill/>
+          <a:extLst>
+            <a:ext uri="{909E8E84-426E-40DD-AFC4-6F175D3DCCD1}">
+              <a14:hiddenFill xmlns:a14="http://schemas.microsoft.com/office/drawing/2010/main">
+                <a:solidFill>
+                  <a:srgbClr val="FFFFFF"/>
+                </a:solidFill>
+              </a14:hiddenFill>
+            </a:ext>
+          </a:extLst>
+        </p:spPr>
+      </p:pic>
+    </p:spTree>
+    <p:extLst>
+      <p:ext uri="{BB962C8B-B14F-4D97-AF65-F5344CB8AC3E}">
+        <p14:creationId xmlns:p14="http://schemas.microsoft.com/office/powerpoint/2010/main" val="2332652454"/>
+      </p:ext>
+    </p:extLst>
+  </p:cSld>
+  <p:clrMapOvr>
+    <a:masterClrMapping/>
+  </p:clrMapOvr>
+  <p:timing>
+    <p:tnLst>
+      <p:par>
+        <p:cTn id="1" dur="indefinite" restart="never" nodeType="tmRoot"/>
+      </p:par>
+    </p:tnLst>
+  </p:timing>
+</p:sld>
+</file>
+
+<file path=ppt/slides/slide13.xml><?xml version="1.0" encoding="utf-8"?>
+<p:sld xmlns:a="http://schemas.openxmlformats.org/drawingml/2006/main" xmlns:r="http://schemas.openxmlformats.org/officeDocument/2006/relationships" xmlns:p="http://schemas.openxmlformats.org/presentationml/2006/main">
+  <p:cSld>
+    <p:spTree>
+      <p:nvGrpSpPr>
+        <p:cNvPr id="1" name=""/>
+        <p:cNvGrpSpPr/>
+        <p:nvPr/>
+      </p:nvGrpSpPr>
+      <p:grpSpPr>
+        <a:xfrm>
+          <a:off x="0" y="0"/>
+          <a:ext cx="0" cy="0"/>
+          <a:chOff x="0" y="0"/>
+          <a:chExt cx="0" cy="0"/>
+        </a:xfrm>
+      </p:grpSpPr>
+      <p:sp>
+        <p:nvSpPr>
+          <p:cNvPr id="2" name="Заголовок 1"/>
+          <p:cNvSpPr>
+            <a:spLocks noGrp="1"/>
+          </p:cNvSpPr>
+          <p:nvPr>
+            <p:ph type="title"/>
+          </p:nvPr>
+        </p:nvSpPr>
+        <p:spPr/>
+        <p:txBody>
+          <a:bodyPr>
+            <a:normAutofit/>
+          </a:bodyPr>
+          <a:lstStyle/>
+          <a:p>
+            <a:r>
+              <a:rPr lang="ru-RU" sz="4800" dirty="0" smtClean="0"/>
+              <a:t>Техническое зрение</a:t>
+            </a:r>
+            <a:endParaRPr lang="ru-RU" sz="4800" dirty="0"/>
+          </a:p>
+        </p:txBody>
+      </p:sp>
+      <p:sp>
+        <p:nvSpPr>
+          <p:cNvPr id="3" name="Объект 2"/>
+          <p:cNvSpPr>
+            <a:spLocks noGrp="1"/>
+          </p:cNvSpPr>
+          <p:nvPr>
+            <p:ph idx="1"/>
+          </p:nvPr>
+        </p:nvSpPr>
+        <p:spPr/>
+        <p:txBody>
+          <a:bodyPr>
+            <a:normAutofit/>
+          </a:bodyPr>
+          <a:lstStyle/>
+          <a:p>
+            <a:pPr marL="0" indent="0">
+              <a:buNone/>
+            </a:pPr>
+            <a:r>
+              <a:rPr lang="ru-RU" sz="2800" dirty="0" smtClean="0"/>
+              <a:t>В конструкции робота используется </a:t>
+            </a:r>
+            <a:r>
+              <a:rPr lang="ru-RU" sz="2800" dirty="0" smtClean="0"/>
+              <a:t>в</a:t>
+            </a:r>
+            <a:r>
+              <a:rPr lang="ru-RU" sz="2800" dirty="0" smtClean="0"/>
+              <a:t>е</a:t>
+            </a:r>
+            <a:r>
+              <a:rPr lang="ru-RU" sz="2800" dirty="0" smtClean="0"/>
+              <a:t>б-камера</a:t>
+            </a:r>
+            <a:r>
+              <a:rPr lang="ru-RU" sz="2800" dirty="0" smtClean="0"/>
+              <a:t>. </a:t>
+            </a:r>
+          </a:p>
+          <a:p>
+            <a:pPr marL="0" indent="0">
+              <a:buNone/>
+            </a:pPr>
+            <a:r>
+              <a:rPr lang="ru-RU" sz="2800" dirty="0" smtClean="0"/>
+              <a:t>Большое значение при подборе камеры имеет её </a:t>
+            </a:r>
+            <a:r>
+              <a:rPr lang="ru-RU" sz="2800" dirty="0" smtClean="0"/>
+              <a:t>цветопередача.</a:t>
+            </a:r>
+          </a:p>
+          <a:p>
+            <a:pPr marL="0" indent="0">
+              <a:buNone/>
+            </a:pPr>
+            <a:r>
+              <a:rPr lang="ru-RU" sz="2800" dirty="0" smtClean="0"/>
+              <a:t>В программе </a:t>
+            </a:r>
+            <a:r>
+              <a:rPr lang="en-US" sz="2800" dirty="0" err="1" smtClean="0"/>
+              <a:t>Robotino</a:t>
+            </a:r>
+            <a:r>
+              <a:rPr lang="en-US" sz="2800" dirty="0" smtClean="0"/>
+              <a:t> </a:t>
+            </a:r>
+            <a:r>
+              <a:rPr lang="ru-RU" sz="2800" dirty="0" smtClean="0"/>
+              <a:t>есть возможность изменения разрешающей способности камеры.</a:t>
+            </a:r>
+            <a:endParaRPr lang="ru-RU" sz="2800" dirty="0"/>
+          </a:p>
+        </p:txBody>
+      </p:sp>
+    </p:spTree>
+    <p:extLst>
+      <p:ext uri="{BB962C8B-B14F-4D97-AF65-F5344CB8AC3E}">
+        <p14:creationId xmlns:p14="http://schemas.microsoft.com/office/powerpoint/2010/main" val="1818298318"/>
+      </p:ext>
+    </p:extLst>
+  </p:cSld>
+  <p:clrMapOvr>
+    <a:masterClrMapping/>
+  </p:clrMapOvr>
+  <p:timing>
+    <p:tnLst>
+      <p:par>
+        <p:cTn id="1" dur="indefinite" restart="never" nodeType="tmRoot"/>
+      </p:par>
+    </p:tnLst>
+  </p:timing>
+</p:sld>
+</file>
+
+<file path=ppt/slides/slide14.xml><?xml version="1.0" encoding="utf-8"?>
+<p:sld xmlns:a="http://schemas.openxmlformats.org/drawingml/2006/main" xmlns:r="http://schemas.openxmlformats.org/officeDocument/2006/relationships" xmlns:p="http://schemas.openxmlformats.org/presentationml/2006/main">
+  <p:cSld>
+    <p:spTree>
+      <p:nvGrpSpPr>
+        <p:cNvPr id="1" name=""/>
+        <p:cNvGrpSpPr/>
+        <p:nvPr/>
+      </p:nvGrpSpPr>
+      <p:grpSpPr>
+        <a:xfrm>
+          <a:off x="0" y="0"/>
+          <a:ext cx="0" cy="0"/>
+          <a:chOff x="0" y="0"/>
+          <a:chExt cx="0" cy="0"/>
+        </a:xfrm>
+      </p:grpSpPr>
+      <p:sp>
+        <p:nvSpPr>
+          <p:cNvPr id="2" name="Заголовок 1"/>
+          <p:cNvSpPr>
+            <a:spLocks noGrp="1"/>
+          </p:cNvSpPr>
+          <p:nvPr>
+            <p:ph type="title"/>
+          </p:nvPr>
+        </p:nvSpPr>
+        <p:spPr/>
+        <p:txBody>
+          <a:bodyPr>
+            <a:noAutofit/>
+          </a:bodyPr>
+          <a:lstStyle/>
+          <a:p>
+            <a:r>
+              <a:rPr lang="ru-RU" sz="4400" dirty="0" smtClean="0"/>
+              <a:t>Построение алгоритма работы мобильной платформы</a:t>
+            </a:r>
+            <a:endParaRPr lang="ru-RU" sz="4400" dirty="0"/>
+          </a:p>
+        </p:txBody>
+      </p:sp>
+      <p:sp>
+        <p:nvSpPr>
+          <p:cNvPr id="3" name="Объект 2"/>
+          <p:cNvSpPr>
+            <a:spLocks noGrp="1"/>
+          </p:cNvSpPr>
+          <p:nvPr>
+            <p:ph idx="1"/>
+          </p:nvPr>
+        </p:nvSpPr>
+        <p:spPr/>
+        <p:txBody>
+          <a:bodyPr>
+            <a:normAutofit/>
+          </a:bodyPr>
+          <a:lstStyle/>
+          <a:p>
+            <a:endParaRPr lang="ru-RU" sz="2800" dirty="0"/>
+          </a:p>
+        </p:txBody>
+      </p:sp>
+    </p:spTree>
+    <p:extLst>
+      <p:ext uri="{BB962C8B-B14F-4D97-AF65-F5344CB8AC3E}">
+        <p14:creationId xmlns:p14="http://schemas.microsoft.com/office/powerpoint/2010/main" val="2448969292"/>
+      </p:ext>
+    </p:extLst>
+  </p:cSld>
+  <p:clrMapOvr>
+    <a:masterClrMapping/>
+  </p:clrMapOvr>
+  <p:timing>
+    <p:tnLst>
+      <p:par>
+        <p:cTn id="1" dur="indefinite" restart="never" nodeType="tmRoot"/>
+      </p:par>
+    </p:tnLst>
+  </p:timing>
+</p:sld>
+</file>
+
+<file path=ppt/slides/slide15.xml><?xml version="1.0" encoding="utf-8"?>
+<p:sld xmlns:a="http://schemas.openxmlformats.org/drawingml/2006/main" xmlns:r="http://schemas.openxmlformats.org/officeDocument/2006/relationships" xmlns:p="http://schemas.openxmlformats.org/presentationml/2006/main">
+  <p:cSld>
+    <p:spTree>
+      <p:nvGrpSpPr>
+        <p:cNvPr id="1" name=""/>
+        <p:cNvGrpSpPr/>
+        <p:nvPr/>
+      </p:nvGrpSpPr>
+      <p:grpSpPr>
+        <a:xfrm>
+          <a:off x="0" y="0"/>
+          <a:ext cx="0" cy="0"/>
+          <a:chOff x="0" y="0"/>
+          <a:chExt cx="0" cy="0"/>
+        </a:xfrm>
+      </p:grpSpPr>
+      <p:sp>
+        <p:nvSpPr>
+          <p:cNvPr id="2" name="Заголовок 1"/>
+          <p:cNvSpPr>
+            <a:spLocks noGrp="1"/>
+          </p:cNvSpPr>
+          <p:nvPr>
+            <p:ph type="title"/>
+          </p:nvPr>
+        </p:nvSpPr>
+        <p:spPr/>
+        <p:txBody>
+          <a:bodyPr/>
+          <a:lstStyle/>
+          <a:p>
+            <a:r>
+              <a:rPr lang="ru-RU" sz="4800" dirty="0" smtClean="0"/>
+              <a:t>Перспективы</a:t>
+            </a:r>
+            <a:endParaRPr lang="ru-RU" dirty="0"/>
+          </a:p>
+        </p:txBody>
+      </p:sp>
+      <p:sp>
+        <p:nvSpPr>
+          <p:cNvPr id="3" name="Объект 2"/>
+          <p:cNvSpPr>
+            <a:spLocks noGrp="1"/>
+          </p:cNvSpPr>
+          <p:nvPr>
+            <p:ph idx="1"/>
+          </p:nvPr>
+        </p:nvSpPr>
+        <p:spPr>
+          <a:xfrm>
+            <a:off x="680321" y="2239861"/>
+            <a:ext cx="11127366" cy="4618138"/>
+          </a:xfrm>
+        </p:spPr>
+        <p:txBody>
+          <a:bodyPr>
+            <a:normAutofit/>
+          </a:bodyPr>
+          <a:lstStyle/>
+          <a:p>
+            <a:r>
+              <a:rPr lang="ru-RU" sz="2800" dirty="0" smtClean="0"/>
+              <a:t>Использование </a:t>
+            </a:r>
+            <a:r>
+              <a:rPr lang="en-US" sz="2800" dirty="0" smtClean="0"/>
+              <a:t>3D </a:t>
+            </a:r>
+            <a:r>
+              <a:rPr lang="ru-RU" sz="2800" dirty="0" smtClean="0"/>
+              <a:t>принтера </a:t>
+            </a:r>
+            <a:r>
+              <a:rPr lang="ru-RU" sz="2800" dirty="0"/>
+              <a:t>позволяет получить элементы конструкции практически любой сложности</a:t>
+            </a:r>
+            <a:r>
+              <a:rPr lang="ru-RU" sz="2800" dirty="0" smtClean="0"/>
+              <a:t>.</a:t>
+            </a:r>
+          </a:p>
+          <a:p>
+            <a:r>
+              <a:rPr lang="ru-RU" sz="2800" dirty="0" smtClean="0"/>
+              <a:t>Разработанная конструкция легко масштабируется.</a:t>
+            </a:r>
+            <a:endParaRPr lang="ru-RU" sz="2800" dirty="0"/>
+          </a:p>
+          <a:p>
+            <a:r>
+              <a:rPr lang="ru-RU" sz="2800" dirty="0" smtClean="0"/>
+              <a:t>Современная элементная база позволяет реализовать данный проект с применением минимального количества </a:t>
+            </a:r>
+            <a:r>
+              <a:rPr lang="ru-RU" sz="2800" dirty="0" smtClean="0"/>
+              <a:t>компонентов, упрощённой и в то же время надёжной </a:t>
+            </a:r>
+            <a:r>
+              <a:rPr lang="ru-RU" sz="2800" dirty="0" smtClean="0"/>
+              <a:t>схемой управления.</a:t>
+            </a:r>
+          </a:p>
+          <a:p>
+            <a:r>
+              <a:rPr lang="ru-RU" sz="2800" dirty="0" smtClean="0"/>
+              <a:t>Данный </a:t>
+            </a:r>
+            <a:r>
+              <a:rPr lang="ru-RU" sz="2800" dirty="0" smtClean="0"/>
+              <a:t>робот </a:t>
+            </a:r>
+            <a:r>
+              <a:rPr lang="ru-RU" sz="2800" dirty="0" smtClean="0"/>
+              <a:t>отлично подходит как методическое пособие по изучению алгоритмов сортировки и перемещения объектов, разработки системы управления платформы со всенаправленными колёсами.</a:t>
+            </a:r>
+            <a:endParaRPr lang="ru-RU" sz="2800" dirty="0"/>
+          </a:p>
+        </p:txBody>
+      </p:sp>
+    </p:spTree>
+    <p:extLst>
+      <p:ext uri="{BB962C8B-B14F-4D97-AF65-F5344CB8AC3E}">
+        <p14:creationId xmlns:p14="http://schemas.microsoft.com/office/powerpoint/2010/main" val="1532357421"/>
+      </p:ext>
+    </p:extLst>
+  </p:cSld>
+  <p:clrMapOvr>
+    <a:masterClrMapping/>
+  </p:clrMapOvr>
+  <p:timing>
+    <p:tnLst>
+      <p:par>
+        <p:cTn id="1" dur="indefinite" restart="never" nodeType="tmRoot"/>
+      </p:par>
+    </p:tnLst>
+  </p:timing>
+</p:sld>
+</file>
+
+<file path=ppt/slides/slide16.xml><?xml version="1.0" encoding="utf-8"?>
+<p:sld xmlns:a="http://schemas.openxmlformats.org/drawingml/2006/main" xmlns:r="http://schemas.openxmlformats.org/officeDocument/2006/relationships" xmlns:p="http://schemas.openxmlformats.org/presentationml/2006/main">
+  <p:cSld>
+    <p:spTree>
+      <p:nvGrpSpPr>
+        <p:cNvPr id="1" name=""/>
+        <p:cNvGrpSpPr/>
+        <p:nvPr/>
+      </p:nvGrpSpPr>
+      <p:grpSpPr>
+        <a:xfrm>
+          <a:off x="0" y="0"/>
+          <a:ext cx="0" cy="0"/>
+          <a:chOff x="0" y="0"/>
+          <a:chExt cx="0" cy="0"/>
+        </a:xfrm>
+      </p:grpSpPr>
+      <p:sp>
+        <p:nvSpPr>
+          <p:cNvPr id="2" name="Заголовок 1"/>
+          <p:cNvSpPr>
+            <a:spLocks noGrp="1"/>
+          </p:cNvSpPr>
+          <p:nvPr>
+            <p:ph type="title"/>
+          </p:nvPr>
+        </p:nvSpPr>
+        <p:spPr/>
+        <p:txBody>
+          <a:bodyPr/>
+          <a:lstStyle/>
+          <a:p>
+            <a:r>
               <a:rPr lang="ru-RU" sz="4800" dirty="0" smtClean="0"/>
               <a:t>Выводы</a:t>
             </a:r>
@@ -8590,7 +9395,7 @@
 </p:sld>
 </file>
 
-<file path=ppt/slides/slide13.xml><?xml version="1.0" encoding="utf-8"?>
+<file path=ppt/slides/slide17.xml><?xml version="1.0" encoding="utf-8"?>
 <p:sld xmlns:a="http://schemas.openxmlformats.org/drawingml/2006/main" xmlns:r="http://schemas.openxmlformats.org/officeDocument/2006/relationships" xmlns:p="http://schemas.openxmlformats.org/presentationml/2006/main" showMasterSp="0">
   <p:cSld>
     <p:bg>
@@ -8814,7 +9619,31 @@
             </a:pPr>
             <a:r>
               <a:rPr lang="ru-RU" sz="3200" dirty="0" smtClean="0"/>
-              <a:t>Сделать его максимально простым в конструкции для обеспечения лёгкой сборки, надёжности и низкой себестоимости при этом не ухудшив функциональность.</a:t>
+              <a:t>Сделать </a:t>
+            </a:r>
+            <a:r>
+              <a:rPr lang="ru-RU" sz="3200" dirty="0" smtClean="0"/>
+              <a:t>робот </a:t>
+            </a:r>
+            <a:r>
+              <a:rPr lang="ru-RU" sz="3200" dirty="0" smtClean="0"/>
+              <a:t>максимально простым в конструкции для обеспечения лёгкой сборки, </a:t>
+            </a:r>
+            <a:r>
+              <a:rPr lang="ru-RU" sz="3200" dirty="0" smtClean="0"/>
+              <a:t>надёжности, низкой </a:t>
+            </a:r>
+            <a:r>
+              <a:rPr lang="ru-RU" sz="3200" dirty="0" smtClean="0"/>
+              <a:t>себестоимости </a:t>
+            </a:r>
+            <a:r>
+              <a:rPr lang="ru-RU" sz="3200" dirty="0" smtClean="0"/>
+              <a:t>не ухудшая </a:t>
+            </a:r>
+            <a:r>
+              <a:rPr lang="ru-RU" sz="3200" dirty="0" smtClean="0"/>
+              <a:t>функциональность.</a:t>
             </a:r>
           </a:p>
           <a:p>
@@ -9042,7 +9871,23 @@
             </a:pPr>
             <a:r>
               <a:rPr lang="ru-RU" sz="3600" dirty="0" smtClean="0"/>
-              <a:t>Сбор урожая – это трудоёмкий процесс, привлекающий большое количество человеко-часов. Данный робот поможет оптимизировать процесс уборки урожая, доставляя производимую продукцию в центры переработки.</a:t>
+              <a:t>Сбор урожая – это трудоёмкий процесс, привлекающий большое количество человеко-часов. </a:t>
+            </a:r>
+            <a:r>
+              <a:rPr lang="ru-RU" sz="3600" dirty="0" smtClean="0"/>
+              <a:t>Важной задачей для сельского хозяйства является оптимизация процесса </a:t>
+            </a:r>
+            <a:r>
+              <a:rPr lang="ru-RU" sz="3600" dirty="0" smtClean="0"/>
+              <a:t>уборки </a:t>
+            </a:r>
+            <a:r>
+              <a:rPr lang="ru-RU" sz="3600" dirty="0" smtClean="0"/>
+              <a:t>урожая и доставки производимой продукции </a:t>
+            </a:r>
+            <a:r>
+              <a:rPr lang="ru-RU" sz="3600" dirty="0" smtClean="0"/>
+              <a:t>в центры переработки.</a:t>
             </a:r>
           </a:p>
           <a:p>
@@ -9126,7 +9971,7 @@
         <p:spPr>
           <a:xfrm>
             <a:off x="680321" y="2355574"/>
-            <a:ext cx="6545427" cy="3936169"/>
+            <a:ext cx="6545427" cy="4246562"/>
           </a:xfrm>
         </p:spPr>
         <p:txBody>
@@ -9201,15 +10046,15 @@
             </a:r>
             <a:r>
               <a:rPr lang="ru-RU" sz="2800" dirty="0" smtClean="0"/>
-              <a:t>колесами (</a:t>
-            </a:r>
-            <a:r>
-              <a:rPr lang="ru-RU" sz="2800" dirty="0" err="1" smtClean="0"/>
-              <a:t>омнивилл</a:t>
+              <a:t>колесами типа «</a:t>
+            </a:r>
+            <a:r>
+              <a:rPr lang="en-US" sz="2800" dirty="0" smtClean="0"/>
+              <a:t>omnidirectional</a:t>
             </a:r>
             <a:r>
               <a:rPr lang="ru-RU" sz="2800" dirty="0" smtClean="0"/>
-              <a:t>).</a:t>
+              <a:t>».</a:t>
             </a:r>
             <a:endParaRPr lang="ru-RU" sz="2800" dirty="0" smtClean="0"/>
           </a:p>
@@ -9266,7 +10111,12 @@
           <a:prstGeom prst="rect">
             <a:avLst/>
           </a:prstGeom>
-          <a:noFill/>
+          <a:ln>
+            <a:noFill/>
+          </a:ln>
+          <a:effectLst>
+            <a:softEdge rad="112500"/>
+          </a:effectLst>
           <a:extLst>
             <a:ext uri="{909E8E84-426E-40DD-AFC4-6F175D3DCCD1}">
               <a14:hiddenFill xmlns:a14="http://schemas.microsoft.com/office/drawing/2010/main">
@@ -9327,122 +10177,116 @@
         </p:nvSpPr>
         <p:spPr/>
         <p:txBody>
+          <a:bodyPr/>
+          <a:lstStyle/>
+          <a:p>
+            <a:r>
+              <a:rPr lang="en-US" dirty="0" err="1" smtClean="0"/>
+              <a:t>Robotino</a:t>
+            </a:r>
+            <a:r>
+              <a:rPr lang="en-US" dirty="0" smtClean="0"/>
+              <a:t> – </a:t>
+            </a:r>
+            <a:r>
+              <a:rPr lang="ru-RU" dirty="0" smtClean="0"/>
+              <a:t>краткое описание</a:t>
+            </a:r>
+            <a:endParaRPr lang="ru-RU" dirty="0"/>
+          </a:p>
+        </p:txBody>
+      </p:sp>
+      <p:sp>
+        <p:nvSpPr>
+          <p:cNvPr id="3" name="Объект 2"/>
+          <p:cNvSpPr>
+            <a:spLocks noGrp="1"/>
+          </p:cNvSpPr>
+          <p:nvPr>
+            <p:ph idx="1"/>
+          </p:nvPr>
+        </p:nvSpPr>
+        <p:spPr>
+          <a:xfrm>
+            <a:off x="680321" y="2197916"/>
+            <a:ext cx="10762262" cy="4412609"/>
+          </a:xfrm>
+        </p:spPr>
+        <p:txBody>
           <a:bodyPr>
             <a:noAutofit/>
           </a:bodyPr>
           <a:lstStyle/>
           <a:p>
             <a:r>
-              <a:rPr lang="ru-RU" sz="4400" dirty="0" smtClean="0"/>
-              <a:t>Конструкция захватного механизма</a:t>
-            </a:r>
-            <a:endParaRPr lang="ru-RU" sz="4400" dirty="0"/>
-          </a:p>
-        </p:txBody>
-      </p:sp>
-      <p:sp>
-        <p:nvSpPr>
-          <p:cNvPr id="3" name="Объект 2"/>
-          <p:cNvSpPr>
-            <a:spLocks noGrp="1"/>
-          </p:cNvSpPr>
-          <p:nvPr>
-            <p:ph idx="1"/>
-          </p:nvPr>
-        </p:nvSpPr>
-        <p:spPr>
-          <a:xfrm>
-            <a:off x="6123963" y="2484783"/>
-            <a:ext cx="5802994" cy="3750871"/>
-          </a:xfrm>
-        </p:spPr>
-        <p:txBody>
-          <a:bodyPr>
-            <a:noAutofit/>
-          </a:bodyPr>
-          <a:lstStyle/>
-          <a:p>
-            <a:pPr marL="0" indent="0">
-              <a:buNone/>
-            </a:pPr>
-            <a:r>
-              <a:rPr lang="ru-RU" sz="2800" dirty="0" smtClean="0"/>
-              <a:t>Была разработана </a:t>
-            </a:r>
-            <a:r>
-              <a:rPr lang="en-US" sz="2800" dirty="0" smtClean="0"/>
-              <a:t>3D</a:t>
-            </a:r>
-            <a:r>
-              <a:rPr lang="ru-RU" sz="2800" dirty="0" smtClean="0"/>
-              <a:t> модель захвата, детали которой распечатаны на </a:t>
-            </a:r>
-            <a:r>
-              <a:rPr lang="en-US" sz="2800" dirty="0" smtClean="0"/>
-              <a:t>3D </a:t>
-            </a:r>
-            <a:r>
-              <a:rPr lang="ru-RU" sz="2800" dirty="0" smtClean="0"/>
-              <a:t>принтере.</a:t>
-            </a:r>
-            <a:endParaRPr lang="ru-RU" sz="2800" dirty="0"/>
-          </a:p>
-          <a:p>
-            <a:pPr marL="0" indent="0">
-              <a:buNone/>
-            </a:pPr>
-            <a:r>
-              <a:rPr lang="ru-RU" sz="2800" dirty="0" smtClean="0"/>
-              <a:t>Сервопривод закреплён на корпусе захвата с помощью распечатанных стоек. При вращении вала крутящий момент передаётся с помощью редуктора с передаточным отношением 2:1.</a:t>
-            </a:r>
-            <a:endParaRPr lang="ru-RU" sz="2800" dirty="0"/>
-          </a:p>
-        </p:txBody>
-      </p:sp>
-      <p:pic>
-        <p:nvPicPr>
-          <p:cNvPr id="4" name="Рисунок 3"/>
-          <p:cNvPicPr>
-            <a:picLocks noChangeAspect="1"/>
-          </p:cNvPicPr>
-          <p:nvPr/>
-        </p:nvPicPr>
-        <p:blipFill>
-          <a:blip r:embed="rId2" cstate="print">
-            <a:extLst>
-              <a:ext uri="{28A0092B-C50C-407E-A947-70E740481C1C}">
-                <a14:useLocalDpi xmlns:a14="http://schemas.microsoft.com/office/drawing/2010/main" val="0"/>
-              </a:ext>
-            </a:extLst>
-          </a:blip>
-          <a:stretch>
-            <a:fillRect/>
-          </a:stretch>
-        </p:blipFill>
-        <p:spPr>
-          <a:xfrm>
-            <a:off x="493685" y="2336873"/>
-            <a:ext cx="5385013" cy="4038759"/>
-          </a:xfrm>
-          <a:prstGeom prst="rect">
-            <a:avLst/>
-          </a:prstGeom>
-          <a:ln>
-            <a:noFill/>
-          </a:ln>
-          <a:effectLst>
-            <a:outerShdw blurRad="190500" algn="tl" rotWithShape="0">
-              <a:srgbClr val="000000">
-                <a:alpha val="70000"/>
-              </a:srgbClr>
-            </a:outerShdw>
-          </a:effectLst>
-        </p:spPr>
-      </p:pic>
+              <a:rPr lang="ru-RU" sz="2600" dirty="0" smtClean="0"/>
+              <a:t>Система питания – два свинцовых аккумулятора на 12</a:t>
+            </a:r>
+            <a:r>
+              <a:rPr lang="en-US" sz="2600" dirty="0" smtClean="0"/>
+              <a:t>V</a:t>
+            </a:r>
+            <a:endParaRPr lang="ru-RU" sz="2600" dirty="0"/>
+          </a:p>
+          <a:p>
+            <a:r>
+              <a:rPr lang="ru-RU" sz="2600" dirty="0" smtClean="0"/>
+              <a:t>Двигательная система</a:t>
+            </a:r>
+          </a:p>
+          <a:p>
+            <a:r>
+              <a:rPr lang="ru-RU" sz="2600" dirty="0" smtClean="0"/>
+              <a:t>Измерительная система</a:t>
+            </a:r>
+          </a:p>
+          <a:p>
+            <a:r>
+              <a:rPr lang="ru-RU" sz="2600" dirty="0" smtClean="0"/>
+              <a:t>Беспроводная система связи</a:t>
+            </a:r>
+          </a:p>
+          <a:p>
+            <a:r>
+              <a:rPr lang="ru-RU" sz="2600" dirty="0" smtClean="0"/>
+              <a:t>Встроенный управляющий компьютер: процессор </a:t>
+            </a:r>
+            <a:r>
+              <a:rPr lang="en-US" sz="2600" dirty="0" smtClean="0"/>
+              <a:t>PC 104 </a:t>
+            </a:r>
+            <a:r>
+              <a:rPr lang="ru-RU" sz="2600" dirty="0" smtClean="0"/>
+              <a:t>и ЗУ на 1024 МБ</a:t>
+            </a:r>
+          </a:p>
+          <a:p>
+            <a:r>
+              <a:rPr lang="ru-RU" sz="2600" dirty="0" smtClean="0"/>
+              <a:t>Монтажная плата для коммуникации компьютер-датчики / двигатели / интерфейсы ввода-вывода</a:t>
+            </a:r>
+          </a:p>
+          <a:p>
+            <a:r>
+              <a:rPr lang="ru-RU" sz="2600" dirty="0" smtClean="0"/>
+              <a:t>ОС </a:t>
+            </a:r>
+            <a:r>
+              <a:rPr lang="en-US" sz="2600" dirty="0" smtClean="0"/>
+              <a:t>Linux </a:t>
+            </a:r>
+            <a:r>
+              <a:rPr lang="ru-RU" sz="2600" dirty="0" smtClean="0"/>
+              <a:t>для взаимодействия аппаратных и программных компонентов</a:t>
+            </a:r>
+            <a:endParaRPr lang="ru-RU" sz="2600" dirty="0"/>
+          </a:p>
+        </p:txBody>
+      </p:sp>
     </p:spTree>
     <p:extLst>
       <p:ext uri="{BB962C8B-B14F-4D97-AF65-F5344CB8AC3E}">
-        <p14:creationId xmlns:p14="http://schemas.microsoft.com/office/powerpoint/2010/main" val="1505481944"/>
+        <p14:creationId xmlns:p14="http://schemas.microsoft.com/office/powerpoint/2010/main" val="1473880559"/>
       </p:ext>
     </p:extLst>
   </p:cSld>
@@ -9488,86 +10332,59 @@
         </p:nvSpPr>
         <p:spPr/>
         <p:txBody>
+          <a:bodyPr/>
+          <a:lstStyle/>
+          <a:p>
+            <a:r>
+              <a:rPr lang="en-US" dirty="0" err="1" smtClean="0"/>
+              <a:t>Robotino</a:t>
+            </a:r>
+            <a:r>
+              <a:rPr lang="ru-RU" dirty="0" smtClean="0"/>
+              <a:t> – технология привода</a:t>
+            </a:r>
+            <a:endParaRPr lang="ru-RU" dirty="0"/>
+          </a:p>
+        </p:txBody>
+      </p:sp>
+      <p:sp>
+        <p:nvSpPr>
+          <p:cNvPr id="3" name="Объект 2"/>
+          <p:cNvSpPr>
+            <a:spLocks noGrp="1"/>
+          </p:cNvSpPr>
+          <p:nvPr>
+            <p:ph idx="1"/>
+          </p:nvPr>
+        </p:nvSpPr>
+        <p:spPr>
+          <a:xfrm>
+            <a:off x="680322" y="2902591"/>
+            <a:ext cx="5611421" cy="3573710"/>
+          </a:xfrm>
+        </p:spPr>
+        <p:txBody>
           <a:bodyPr>
-            <a:normAutofit/>
+            <a:noAutofit/>
           </a:bodyPr>
           <a:lstStyle/>
           <a:p>
-            <a:r>
-              <a:rPr lang="ru-RU" sz="4800" dirty="0" smtClean="0"/>
-              <a:t>Привод движения захвата</a:t>
-            </a:r>
-            <a:endParaRPr lang="ru-RU" sz="4800" dirty="0"/>
-          </a:p>
-        </p:txBody>
-      </p:sp>
-      <p:sp>
-        <p:nvSpPr>
-          <p:cNvPr id="3" name="Объект 2"/>
-          <p:cNvSpPr>
-            <a:spLocks noGrp="1"/>
-          </p:cNvSpPr>
-          <p:nvPr>
-            <p:ph idx="1"/>
-          </p:nvPr>
-        </p:nvSpPr>
-        <p:spPr>
-          <a:xfrm>
-            <a:off x="680322" y="2643808"/>
-            <a:ext cx="5510754" cy="3807326"/>
-          </a:xfrm>
-        </p:spPr>
-        <p:txBody>
-          <a:bodyPr>
-            <a:normAutofit/>
-          </a:bodyPr>
-          <a:lstStyle/>
-          <a:p>
             <a:pPr marL="0" indent="0">
               <a:buNone/>
             </a:pPr>
             <a:r>
               <a:rPr lang="ru-RU" sz="2800" dirty="0" smtClean="0"/>
-              <a:t>Для </a:t>
+              <a:t>Привод на каждой оси колеса представляет собой </a:t>
             </a:r>
             <a:r>
               <a:rPr lang="ru-RU" sz="2800" dirty="0"/>
-              <a:t>приведения в движение использовался сервопривод </a:t>
-            </a:r>
-            <a:r>
-              <a:rPr lang="en-US" sz="2800" dirty="0" smtClean="0"/>
-              <a:t>MG99</a:t>
+              <a:t>тахометр, ролик, </a:t>
             </a:r>
             <a:r>
               <a:rPr lang="ru-RU" sz="2800" dirty="0" smtClean="0"/>
-              <a:t>5</a:t>
-            </a:r>
-            <a:r>
-              <a:rPr lang="en-US" sz="2800" dirty="0" smtClean="0"/>
-              <a:t> </a:t>
-            </a:r>
-            <a:r>
-              <a:rPr lang="ru-RU" sz="2800" dirty="0"/>
-              <a:t>с надёжным мотором и продвинутой системой управления. </a:t>
-            </a:r>
-            <a:r>
-              <a:rPr lang="ru-RU" sz="2800" dirty="0" smtClean="0"/>
-              <a:t>Редуктор </a:t>
-            </a:r>
-            <a:r>
-              <a:rPr lang="ru-RU" sz="2800" dirty="0"/>
-              <a:t>сервопривода выполнен из металла. Был выбран за свою небольшую стоимость и </a:t>
-            </a:r>
-            <a:r>
-              <a:rPr lang="ru-RU" sz="2800" dirty="0" smtClean="0"/>
-              <a:t>качественные элементы.</a:t>
-            </a:r>
-          </a:p>
-          <a:p>
-            <a:pPr marL="0" indent="0">
-              <a:buNone/>
-            </a:pPr>
-            <a:endParaRPr lang="ru-RU" dirty="0"/>
+              <a:t>двигатель, редуктор с передаточным числом 1:16 и ременную передачу между ними. С помощью тахометра измеряются угловые скорости вращения валов двигателей.</a:t>
+            </a:r>
+            <a:endParaRPr lang="ru-RU" sz="2800" dirty="0"/>
           </a:p>
         </p:txBody>
       </p:sp>
@@ -9580,21 +10397,15 @@
           <p:nvPr/>
         </p:nvPicPr>
         <p:blipFill>
-          <a:blip r:embed="rId2" cstate="print">
-            <a:extLst>
-              <a:ext uri="{28A0092B-C50C-407E-A947-70E740481C1C}">
-                <a14:useLocalDpi xmlns:a14="http://schemas.microsoft.com/office/drawing/2010/main" val="0"/>
-              </a:ext>
-            </a:extLst>
-          </a:blip>
+          <a:blip r:embed="rId2"/>
           <a:stretch>
             <a:fillRect/>
           </a:stretch>
         </p:blipFill>
         <p:spPr>
           <a:xfrm>
-            <a:off x="6225348" y="2336873"/>
-            <a:ext cx="5485681" cy="4114261"/>
+            <a:off x="6291743" y="2339116"/>
+            <a:ext cx="5008228" cy="4397850"/>
           </a:xfrm>
           <a:prstGeom prst="rect">
             <a:avLst/>
@@ -9603,18 +10414,14 @@
             <a:noFill/>
           </a:ln>
           <a:effectLst>
-            <a:outerShdw blurRad="190500" algn="tl" rotWithShape="0">
-              <a:srgbClr val="000000">
-                <a:alpha val="70000"/>
-              </a:srgbClr>
-            </a:outerShdw>
+            <a:softEdge rad="112500"/>
           </a:effectLst>
         </p:spPr>
       </p:pic>
     </p:spTree>
     <p:extLst>
       <p:ext uri="{BB962C8B-B14F-4D97-AF65-F5344CB8AC3E}">
-        <p14:creationId xmlns:p14="http://schemas.microsoft.com/office/powerpoint/2010/main" val="839653463"/>
+        <p14:creationId xmlns:p14="http://schemas.microsoft.com/office/powerpoint/2010/main" val="4044716447"/>
       </p:ext>
     </p:extLst>
   </p:cSld>
@@ -9661,15 +10468,15 @@
         <p:spPr/>
         <p:txBody>
           <a:bodyPr>
-            <a:normAutofit/>
+            <a:noAutofit/>
           </a:bodyPr>
           <a:lstStyle/>
           <a:p>
             <a:r>
-              <a:rPr lang="ru-RU" sz="4800" dirty="0" smtClean="0"/>
-              <a:t>Управление сервоприводом</a:t>
-            </a:r>
-            <a:endParaRPr lang="ru-RU" sz="4800" dirty="0"/>
+              <a:rPr lang="ru-RU" sz="4400" dirty="0" smtClean="0"/>
+              <a:t>Конструкция захватного механизма</a:t>
+            </a:r>
+            <a:endParaRPr lang="ru-RU" sz="4400" dirty="0"/>
           </a:p>
         </p:txBody>
       </p:sp>
@@ -9685,8 +10492,8 @@
         </p:nvSpPr>
         <p:spPr>
           <a:xfrm>
-            <a:off x="367748" y="2456635"/>
-            <a:ext cx="5873661" cy="3982262"/>
+            <a:off x="6123963" y="2484783"/>
+            <a:ext cx="5802994" cy="3750871"/>
           </a:xfrm>
         </p:spPr>
         <p:txBody>
@@ -9699,123 +10506,68 @@
               <a:buNone/>
             </a:pPr>
             <a:r>
-              <a:rPr lang="ru-RU" sz="2600" dirty="0" smtClean="0">
-                <a:effectLst>
-                  <a:outerShdw blurRad="38100" dist="38100" dir="2700000" algn="tl">
-                    <a:srgbClr val="000000">
-                      <a:alpha val="43137"/>
-                    </a:srgbClr>
-                  </a:outerShdw>
-                </a:effectLst>
-              </a:rPr>
-              <a:t>Для управления захватом используется плата с распаянной системой защиты и стабилизации напряжения и 8-битным микроконтроллером </a:t>
-            </a:r>
-            <a:r>
-              <a:rPr lang="en-US" sz="2600" dirty="0" smtClean="0">
-                <a:effectLst>
-                  <a:outerShdw blurRad="38100" dist="38100" dir="2700000" algn="tl">
-                    <a:srgbClr val="000000">
-                      <a:alpha val="43137"/>
-                    </a:srgbClr>
-                  </a:outerShdw>
-                </a:effectLst>
-              </a:rPr>
-              <a:t>ATtiny85</a:t>
-            </a:r>
-            <a:r>
-              <a:rPr lang="ru-RU" sz="2600" dirty="0" smtClean="0">
-                <a:effectLst>
-                  <a:outerShdw blurRad="38100" dist="38100" dir="2700000" algn="tl">
-                    <a:srgbClr val="000000">
-                      <a:alpha val="43137"/>
-                    </a:srgbClr>
-                  </a:outerShdw>
-                </a:effectLst>
-              </a:rPr>
-              <a:t>.</a:t>
-            </a:r>
-            <a:endParaRPr lang="en-US" sz="2600" dirty="0" smtClean="0">
-              <a:effectLst>
-                <a:outerShdw blurRad="38100" dist="38100" dir="2700000" algn="tl">
-                  <a:srgbClr val="000000">
-                    <a:alpha val="43137"/>
-                  </a:srgbClr>
-                </a:outerShdw>
-              </a:effectLst>
-            </a:endParaRPr>
+              <a:rPr lang="ru-RU" sz="2800" dirty="0" smtClean="0"/>
+              <a:t>В качестве прототипа использовался</a:t>
+            </a:r>
+            <a:r>
+              <a:rPr lang="en-US" sz="2800" dirty="0" smtClean="0"/>
+              <a:t> &lt;</a:t>
+            </a:r>
+            <a:r>
+              <a:rPr lang="ru-RU" sz="2800" dirty="0" smtClean="0"/>
+              <a:t>тип захвата</a:t>
+            </a:r>
+            <a:r>
+              <a:rPr lang="en-US" sz="2800" dirty="0" smtClean="0"/>
+              <a:t>&gt;</a:t>
+            </a:r>
+            <a:endParaRPr lang="ru-RU" sz="2800" dirty="0" smtClean="0"/>
           </a:p>
           <a:p>
             <a:pPr marL="0" indent="0">
               <a:buNone/>
             </a:pPr>
             <a:r>
-              <a:rPr lang="ru-RU" sz="2600" dirty="0" smtClean="0">
-                <a:effectLst>
-                  <a:outerShdw blurRad="38100" dist="38100" dir="2700000" algn="tl">
-                    <a:srgbClr val="000000">
-                      <a:alpha val="43137"/>
-                    </a:srgbClr>
-                  </a:outerShdw>
-                </a:effectLst>
-              </a:rPr>
-              <a:t>Выбрана за свои малые габариты и достаточное количество портов.</a:t>
-            </a:r>
-            <a:endParaRPr lang="ru-RU" sz="2600" dirty="0">
-              <a:effectLst>
-                <a:outerShdw blurRad="38100" dist="38100" dir="2700000" algn="tl">
-                  <a:srgbClr val="000000">
-                    <a:alpha val="43137"/>
-                  </a:srgbClr>
-                </a:outerShdw>
-              </a:effectLst>
-            </a:endParaRPr>
+              <a:rPr lang="ru-RU" sz="2800" dirty="0" smtClean="0"/>
+              <a:t>Была </a:t>
+            </a:r>
+            <a:r>
+              <a:rPr lang="ru-RU" sz="2800" dirty="0" smtClean="0"/>
+              <a:t>разработана </a:t>
+            </a:r>
+            <a:r>
+              <a:rPr lang="en-US" sz="2800" dirty="0" smtClean="0"/>
+              <a:t>3D</a:t>
+            </a:r>
+            <a:r>
+              <a:rPr lang="ru-RU" sz="2800" dirty="0" smtClean="0"/>
+              <a:t> модель захвата, детали которой распечатаны на </a:t>
+            </a:r>
+            <a:r>
+              <a:rPr lang="en-US" sz="2800" dirty="0" smtClean="0"/>
+              <a:t>3D </a:t>
+            </a:r>
+            <a:r>
+              <a:rPr lang="ru-RU" sz="2800" dirty="0" smtClean="0"/>
+              <a:t>принтере.</a:t>
+            </a:r>
+            <a:endParaRPr lang="ru-RU" sz="2800" dirty="0"/>
           </a:p>
           <a:p>
             <a:pPr marL="0" indent="0">
               <a:buNone/>
             </a:pPr>
             <a:r>
-              <a:rPr lang="ru-RU" sz="2600" dirty="0" smtClean="0">
-                <a:effectLst>
-                  <a:outerShdw blurRad="38100" dist="38100" dir="2700000" algn="tl">
-                    <a:srgbClr val="000000">
-                      <a:alpha val="43137"/>
-                    </a:srgbClr>
-                  </a:outerShdw>
-                </a:effectLst>
-              </a:rPr>
-              <a:t>Прошивка написана на языке </a:t>
-            </a:r>
-            <a:r>
-              <a:rPr lang="en-US" sz="2600" dirty="0" smtClean="0">
-                <a:effectLst>
-                  <a:outerShdw blurRad="38100" dist="38100" dir="2700000" algn="tl">
-                    <a:srgbClr val="000000">
-                      <a:alpha val="43137"/>
-                    </a:srgbClr>
-                  </a:outerShdw>
-                </a:effectLst>
-              </a:rPr>
-              <a:t>C</a:t>
-            </a:r>
-            <a:r>
-              <a:rPr lang="ru-RU" sz="2600" dirty="0" smtClean="0">
-                <a:effectLst>
-                  <a:outerShdw blurRad="38100" dist="38100" dir="2700000" algn="tl">
-                    <a:srgbClr val="000000">
-                      <a:alpha val="43137"/>
-                    </a:srgbClr>
-                  </a:outerShdw>
-                </a:effectLst>
-              </a:rPr>
-              <a:t>. При получении логического уровня на одном из портов захват сжимается.</a:t>
-            </a:r>
+              <a:rPr lang="ru-RU" sz="2800" dirty="0" smtClean="0"/>
+              <a:t>Сервопривод закреплён на корпусе захвата с помощью распечатанных стоек. При вращении вала крутящий момент передаётся с помощью редуктора с передаточным отношением 2:1.</a:t>
+            </a:r>
+            <a:endParaRPr lang="ru-RU" sz="2800" dirty="0"/>
           </a:p>
         </p:txBody>
       </p:sp>
       <p:pic>
         <p:nvPicPr>
-          <p:cNvPr id="5" name="Рисунок 4"/>
+          <p:cNvPr id="4" name="Рисунок 3"/>
           <p:cNvPicPr>
             <a:picLocks noChangeAspect="1"/>
           </p:cNvPicPr>
@@ -9835,8 +10587,8 @@
         </p:blipFill>
         <p:spPr>
           <a:xfrm>
-            <a:off x="6460073" y="2456635"/>
-            <a:ext cx="5309681" cy="3982261"/>
+            <a:off x="493685" y="2336873"/>
+            <a:ext cx="5385013" cy="4038759"/>
           </a:xfrm>
           <a:prstGeom prst="rect">
             <a:avLst/>
@@ -9856,7 +10608,7 @@
     </p:spTree>
     <p:extLst>
       <p:ext uri="{BB962C8B-B14F-4D97-AF65-F5344CB8AC3E}">
-        <p14:creationId xmlns:p14="http://schemas.microsoft.com/office/powerpoint/2010/main" val="2786872387"/>
+        <p14:creationId xmlns:p14="http://schemas.microsoft.com/office/powerpoint/2010/main" val="1505481944"/>
       </p:ext>
     </p:extLst>
   </p:cSld>
@@ -9909,7 +10661,7 @@
           <a:p>
             <a:r>
               <a:rPr lang="ru-RU" sz="4800" dirty="0" smtClean="0"/>
-              <a:t>Техническое зрение</a:t>
+              <a:t>Привод движения захвата</a:t>
             </a:r>
             <a:endParaRPr lang="ru-RU" sz="4800" dirty="0"/>
           </a:p>
@@ -9925,7 +10677,12 @@
             <p:ph idx="1"/>
           </p:nvPr>
         </p:nvSpPr>
-        <p:spPr/>
+        <p:spPr>
+          <a:xfrm>
+            <a:off x="680322" y="2643808"/>
+            <a:ext cx="5510754" cy="3807326"/>
+          </a:xfrm>
+        </p:spPr>
         <p:txBody>
           <a:bodyPr>
             <a:normAutofit/>
@@ -9937,34 +10694,93 @@
             </a:pPr>
             <a:r>
               <a:rPr lang="ru-RU" sz="2800" dirty="0" smtClean="0"/>
-              <a:t>В конструкции робота используется </a:t>
-            </a:r>
-            <a:r>
-              <a:rPr lang="ru-RU" sz="2800" dirty="0" err="1" smtClean="0"/>
-              <a:t>вэб</a:t>
+              <a:t>Для </a:t>
+            </a:r>
+            <a:r>
+              <a:rPr lang="ru-RU" sz="2800" dirty="0"/>
+              <a:t>приведения в движение использовался сервопривод </a:t>
+            </a:r>
+            <a:r>
+              <a:rPr lang="en-US" sz="2800" dirty="0" smtClean="0"/>
+              <a:t>MG99</a:t>
             </a:r>
             <a:r>
               <a:rPr lang="ru-RU" sz="2800" dirty="0" smtClean="0"/>
-              <a:t> камера. </a:t>
-            </a:r>
-            <a:endParaRPr lang="ru-RU" sz="2800" dirty="0" smtClean="0"/>
+              <a:t>5</a:t>
+            </a:r>
+            <a:r>
+              <a:rPr lang="en-US" sz="2800" dirty="0" smtClean="0"/>
+              <a:t> </a:t>
+            </a:r>
+            <a:r>
+              <a:rPr lang="ru-RU" sz="2800" dirty="0"/>
+              <a:t>с надёжным мотором и продвинутой системой управления. </a:t>
+            </a:r>
+            <a:r>
+              <a:rPr lang="ru-RU" sz="2800" dirty="0" smtClean="0"/>
+              <a:t>Редуктор </a:t>
+            </a:r>
+            <a:r>
+              <a:rPr lang="ru-RU" sz="2800" dirty="0"/>
+              <a:t>сервопривода выполнен из металла. Был выбран за свою небольшую стоимость и </a:t>
+            </a:r>
+            <a:r>
+              <a:rPr lang="ru-RU" sz="2800" dirty="0" smtClean="0"/>
+              <a:t>качественные элементы.</a:t>
+            </a:r>
           </a:p>
           <a:p>
             <a:pPr marL="0" indent="0">
               <a:buNone/>
             </a:pPr>
-            <a:r>
-              <a:rPr lang="ru-RU" sz="2800" dirty="0" smtClean="0"/>
-              <a:t>Большое значение при подборе камеры имеет её цветопередача.</a:t>
-            </a:r>
-            <a:endParaRPr lang="ru-RU" sz="2800" dirty="0"/>
-          </a:p>
-        </p:txBody>
-      </p:sp>
+            <a:endParaRPr lang="ru-RU" dirty="0"/>
+          </a:p>
+        </p:txBody>
+      </p:sp>
+      <p:pic>
+        <p:nvPicPr>
+          <p:cNvPr id="4" name="Рисунок 3"/>
+          <p:cNvPicPr>
+            <a:picLocks noChangeAspect="1"/>
+          </p:cNvPicPr>
+          <p:nvPr/>
+        </p:nvPicPr>
+        <p:blipFill>
+          <a:blip r:embed="rId2" cstate="print">
+            <a:extLst>
+              <a:ext uri="{28A0092B-C50C-407E-A947-70E740481C1C}">
+                <a14:useLocalDpi xmlns:a14="http://schemas.microsoft.com/office/drawing/2010/main" val="0"/>
+              </a:ext>
+            </a:extLst>
+          </a:blip>
+          <a:stretch>
+            <a:fillRect/>
+          </a:stretch>
+        </p:blipFill>
+        <p:spPr>
+          <a:xfrm>
+            <a:off x="6225348" y="2336873"/>
+            <a:ext cx="5485681" cy="4114261"/>
+          </a:xfrm>
+          <a:prstGeom prst="rect">
+            <a:avLst/>
+          </a:prstGeom>
+          <a:ln>
+            <a:noFill/>
+          </a:ln>
+          <a:effectLst>
+            <a:outerShdw blurRad="190500" algn="tl" rotWithShape="0">
+              <a:srgbClr val="000000">
+                <a:alpha val="70000"/>
+              </a:srgbClr>
+            </a:outerShdw>
+          </a:effectLst>
+        </p:spPr>
+      </p:pic>
     </p:spTree>
     <p:extLst>
       <p:ext uri="{BB962C8B-B14F-4D97-AF65-F5344CB8AC3E}">
-        <p14:creationId xmlns:p14="http://schemas.microsoft.com/office/powerpoint/2010/main" val="1818298318"/>
+        <p14:creationId xmlns:p14="http://schemas.microsoft.com/office/powerpoint/2010/main" val="839653463"/>
       </p:ext>
     </p:extLst>
   </p:cSld>

--- a/Presentation/Презентация проектных решений.pptx
+++ b/Presentation/Презентация проектных решений.pptx
@@ -213,7 +213,7 @@
           <a:p>
             <a:fld id="{7D75D1B2-29F9-4C82-95E2-C215E62E72C1}" type="datetimeFigureOut">
               <a:rPr lang="ru-RU" smtClean="0"/>
-              <a:t>13.09.2020</a:t>
+              <a:t>14.09.2020</a:t>
             </a:fld>
             <a:endParaRPr lang="ru-RU"/>
           </a:p>
@@ -923,7 +923,7 @@
           <a:p>
             <a:fld id="{5A36816B-33A0-4281-84E1-A17C70CB85B0}" type="datetimeFigureOut">
               <a:rPr lang="ru-RU" smtClean="0"/>
-              <a:t>13.09.2020</a:t>
+              <a:t>14.09.2020</a:t>
             </a:fld>
             <a:endParaRPr lang="ru-RU"/>
           </a:p>
@@ -1337,7 +1337,7 @@
           <a:p>
             <a:fld id="{5A36816B-33A0-4281-84E1-A17C70CB85B0}" type="datetimeFigureOut">
               <a:rPr lang="ru-RU" smtClean="0"/>
-              <a:t>13.09.2020</a:t>
+              <a:t>14.09.2020</a:t>
             </a:fld>
             <a:endParaRPr lang="ru-RU"/>
           </a:p>
@@ -1673,7 +1673,7 @@
           <a:p>
             <a:fld id="{5A36816B-33A0-4281-84E1-A17C70CB85B0}" type="datetimeFigureOut">
               <a:rPr lang="ru-RU" smtClean="0"/>
-              <a:t>13.09.2020</a:t>
+              <a:t>14.09.2020</a:t>
             </a:fld>
             <a:endParaRPr lang="ru-RU"/>
           </a:p>
@@ -2078,7 +2078,7 @@
           <a:p>
             <a:fld id="{5A36816B-33A0-4281-84E1-A17C70CB85B0}" type="datetimeFigureOut">
               <a:rPr lang="ru-RU" smtClean="0"/>
-              <a:t>13.09.2020</a:t>
+              <a:t>14.09.2020</a:t>
             </a:fld>
             <a:endParaRPr lang="ru-RU"/>
           </a:p>
@@ -2646,7 +2646,7 @@
           <a:p>
             <a:fld id="{5A36816B-33A0-4281-84E1-A17C70CB85B0}" type="datetimeFigureOut">
               <a:rPr lang="ru-RU" smtClean="0"/>
-              <a:t>13.09.2020</a:t>
+              <a:t>14.09.2020</a:t>
             </a:fld>
             <a:endParaRPr lang="ru-RU"/>
           </a:p>
@@ -3327,7 +3327,7 @@
           <a:p>
             <a:fld id="{5A36816B-33A0-4281-84E1-A17C70CB85B0}" type="datetimeFigureOut">
               <a:rPr lang="ru-RU" smtClean="0"/>
-              <a:t>13.09.2020</a:t>
+              <a:t>14.09.2020</a:t>
             </a:fld>
             <a:endParaRPr lang="ru-RU"/>
           </a:p>
@@ -4240,7 +4240,7 @@
           <a:p>
             <a:fld id="{5A36816B-33A0-4281-84E1-A17C70CB85B0}" type="datetimeFigureOut">
               <a:rPr lang="ru-RU" smtClean="0"/>
-              <a:t>13.09.2020</a:t>
+              <a:t>14.09.2020</a:t>
             </a:fld>
             <a:endParaRPr lang="ru-RU"/>
           </a:p>
@@ -4553,7 +4553,7 @@
           <a:p>
             <a:fld id="{5A36816B-33A0-4281-84E1-A17C70CB85B0}" type="datetimeFigureOut">
               <a:rPr lang="ru-RU" smtClean="0"/>
-              <a:t>13.09.2020</a:t>
+              <a:t>14.09.2020</a:t>
             </a:fld>
             <a:endParaRPr lang="ru-RU"/>
           </a:p>
@@ -4817,7 +4817,7 @@
           <a:p>
             <a:fld id="{5A36816B-33A0-4281-84E1-A17C70CB85B0}" type="datetimeFigureOut">
               <a:rPr lang="ru-RU" smtClean="0"/>
-              <a:t>13.09.2020</a:t>
+              <a:t>14.09.2020</a:t>
             </a:fld>
             <a:endParaRPr lang="ru-RU"/>
           </a:p>
@@ -5140,7 +5140,7 @@
           <a:p>
             <a:fld id="{5A36816B-33A0-4281-84E1-A17C70CB85B0}" type="datetimeFigureOut">
               <a:rPr lang="ru-RU" smtClean="0"/>
-              <a:t>13.09.2020</a:t>
+              <a:t>14.09.2020</a:t>
             </a:fld>
             <a:endParaRPr lang="ru-RU"/>
           </a:p>
@@ -5529,7 +5529,7 @@
           <a:p>
             <a:fld id="{5A36816B-33A0-4281-84E1-A17C70CB85B0}" type="datetimeFigureOut">
               <a:rPr lang="ru-RU" smtClean="0"/>
-              <a:t>13.09.2020</a:t>
+              <a:t>14.09.2020</a:t>
             </a:fld>
             <a:endParaRPr lang="ru-RU"/>
           </a:p>
@@ -5905,7 +5905,7 @@
           <a:p>
             <a:fld id="{5A36816B-33A0-4281-84E1-A17C70CB85B0}" type="datetimeFigureOut">
               <a:rPr lang="ru-RU" smtClean="0"/>
-              <a:t>13.09.2020</a:t>
+              <a:t>14.09.2020</a:t>
             </a:fld>
             <a:endParaRPr lang="ru-RU"/>
           </a:p>
@@ -6411,7 +6411,7 @@
           <a:p>
             <a:fld id="{5A36816B-33A0-4281-84E1-A17C70CB85B0}" type="datetimeFigureOut">
               <a:rPr lang="ru-RU" smtClean="0"/>
-              <a:t>13.09.2020</a:t>
+              <a:t>14.09.2020</a:t>
             </a:fld>
             <a:endParaRPr lang="ru-RU"/>
           </a:p>
@@ -6668,7 +6668,7 @@
           <a:p>
             <a:fld id="{5A36816B-33A0-4281-84E1-A17C70CB85B0}" type="datetimeFigureOut">
               <a:rPr lang="ru-RU" smtClean="0"/>
-              <a:t>13.09.2020</a:t>
+              <a:t>14.09.2020</a:t>
             </a:fld>
             <a:endParaRPr lang="ru-RU"/>
           </a:p>
@@ -6831,7 +6831,7 @@
           <a:p>
             <a:fld id="{5A36816B-33A0-4281-84E1-A17C70CB85B0}" type="datetimeFigureOut">
               <a:rPr lang="ru-RU" smtClean="0"/>
-              <a:t>13.09.2020</a:t>
+              <a:t>14.09.2020</a:t>
             </a:fld>
             <a:endParaRPr lang="ru-RU"/>
           </a:p>
@@ -7221,7 +7221,7 @@
           <a:p>
             <a:fld id="{5A36816B-33A0-4281-84E1-A17C70CB85B0}" type="datetimeFigureOut">
               <a:rPr lang="ru-RU" smtClean="0"/>
-              <a:t>13.09.2020</a:t>
+              <a:t>14.09.2020</a:t>
             </a:fld>
             <a:endParaRPr lang="ru-RU"/>
           </a:p>
@@ -7630,7 +7630,7 @@
           <a:p>
             <a:fld id="{5A36816B-33A0-4281-84E1-A17C70CB85B0}" type="datetimeFigureOut">
               <a:rPr lang="ru-RU" smtClean="0"/>
-              <a:t>13.09.2020</a:t>
+              <a:t>14.09.2020</a:t>
             </a:fld>
             <a:endParaRPr lang="ru-RU"/>
           </a:p>
@@ -7874,7 +7874,7 @@
           <a:p>
             <a:fld id="{5A36816B-33A0-4281-84E1-A17C70CB85B0}" type="datetimeFigureOut">
               <a:rPr lang="ru-RU" smtClean="0"/>
-              <a:t>13.09.2020</a:t>
+              <a:t>14.09.2020</a:t>
             </a:fld>
             <a:endParaRPr lang="ru-RU"/>
           </a:p>
@@ -8337,11 +8337,7 @@
           <a:p>
             <a:r>
               <a:rPr lang="ru-RU" sz="2400" dirty="0" smtClean="0"/>
-              <a:t>Дубатовка Владислав, Нечаев </a:t>
-            </a:r>
-            <a:r>
-              <a:rPr lang="ru-RU" sz="2400" dirty="0" smtClean="0"/>
-              <a:t>Вадим</a:t>
+              <a:t>Дубатовка Владислав, Нечаев Вадим</a:t>
             </a:r>
           </a:p>
           <a:p>
@@ -9001,36 +8997,16 @@
             </a:pPr>
             <a:r>
               <a:rPr lang="ru-RU" sz="2800" dirty="0" smtClean="0"/>
-              <a:t>В конструкции робота используется </a:t>
-            </a:r>
+              <a:t>В конструкции робота используется веб-камера. </a:t>
+            </a:r>
+          </a:p>
+          <a:p>
+            <a:pPr marL="0" indent="0">
+              <a:buNone/>
+            </a:pPr>
             <a:r>
               <a:rPr lang="ru-RU" sz="2800" dirty="0" smtClean="0"/>
-              <a:t>в</a:t>
-            </a:r>
-            <a:r>
-              <a:rPr lang="ru-RU" sz="2800" dirty="0" smtClean="0"/>
-              <a:t>е</a:t>
-            </a:r>
-            <a:r>
-              <a:rPr lang="ru-RU" sz="2800" dirty="0" smtClean="0"/>
-              <a:t>б-камера</a:t>
-            </a:r>
-            <a:r>
-              <a:rPr lang="ru-RU" sz="2800" dirty="0" smtClean="0"/>
-              <a:t>. </a:t>
-            </a:r>
-          </a:p>
-          <a:p>
-            <a:pPr marL="0" indent="0">
-              <a:buNone/>
-            </a:pPr>
-            <a:r>
-              <a:rPr lang="ru-RU" sz="2800" dirty="0" smtClean="0"/>
-              <a:t>Большое значение при подборе камеры имеет её </a:t>
-            </a:r>
-            <a:r>
-              <a:rPr lang="ru-RU" sz="2800" dirty="0" smtClean="0"/>
-              <a:t>цветопередача.</a:t>
+              <a:t>Большое значение при подборе камеры имеет её цветопередача.</a:t>
             </a:r>
           </a:p>
           <a:p>
@@ -9253,29 +9229,13 @@
           <a:p>
             <a:r>
               <a:rPr lang="ru-RU" sz="2800" dirty="0" smtClean="0"/>
-              <a:t>Современная элементная база позволяет реализовать данный проект с применением минимального количества </a:t>
-            </a:r>
+              <a:t>Современная элементная база позволяет реализовать данный проект с применением минимального количества компонентов, упрощённой и в то же время надёжной схемой управления.</a:t>
+            </a:r>
+          </a:p>
+          <a:p>
             <a:r>
               <a:rPr lang="ru-RU" sz="2800" dirty="0" smtClean="0"/>
-              <a:t>компонентов, упрощённой и в то же время надёжной </a:t>
-            </a:r>
-            <a:r>
-              <a:rPr lang="ru-RU" sz="2800" dirty="0" smtClean="0"/>
-              <a:t>схемой управления.</a:t>
-            </a:r>
-          </a:p>
-          <a:p>
-            <a:r>
-              <a:rPr lang="ru-RU" sz="2800" dirty="0" smtClean="0"/>
-              <a:t>Данный </a:t>
-            </a:r>
-            <a:r>
-              <a:rPr lang="ru-RU" sz="2800" dirty="0" smtClean="0"/>
-              <a:t>робот </a:t>
-            </a:r>
-            <a:r>
-              <a:rPr lang="ru-RU" sz="2800" dirty="0" smtClean="0"/>
-              <a:t>отлично подходит как методическое пособие по изучению алгоритмов сортировки и перемещения объектов, разработки системы управления платформы со всенаправленными колёсами.</a:t>
+              <a:t>Данный робот отлично подходит как методическое пособие по изучению алгоритмов сортировки и перемещения объектов, разработки системы управления платформы со всенаправленными колёсами.</a:t>
             </a:r>
             <a:endParaRPr lang="ru-RU" sz="2800" dirty="0"/>
           </a:p>
@@ -9619,31 +9579,7 @@
             </a:pPr>
             <a:r>
               <a:rPr lang="ru-RU" sz="3200" dirty="0" smtClean="0"/>
-              <a:t>Сделать </a:t>
-            </a:r>
-            <a:r>
-              <a:rPr lang="ru-RU" sz="3200" dirty="0" smtClean="0"/>
-              <a:t>робот </a:t>
-            </a:r>
-            <a:r>
-              <a:rPr lang="ru-RU" sz="3200" dirty="0" smtClean="0"/>
-              <a:t>максимально простым в конструкции для обеспечения лёгкой сборки, </a:t>
-            </a:r>
-            <a:r>
-              <a:rPr lang="ru-RU" sz="3200" dirty="0" smtClean="0"/>
-              <a:t>надёжности, низкой </a:t>
-            </a:r>
-            <a:r>
-              <a:rPr lang="ru-RU" sz="3200" dirty="0" smtClean="0"/>
-              <a:t>себестоимости </a:t>
-            </a:r>
-            <a:r>
-              <a:rPr lang="ru-RU" sz="3200" dirty="0" smtClean="0"/>
-              <a:t>не ухудшая </a:t>
-            </a:r>
-            <a:r>
-              <a:rPr lang="ru-RU" sz="3200" dirty="0" smtClean="0"/>
-              <a:t>функциональность.</a:t>
+              <a:t>Сделать робот максимально простым в конструкции для обеспечения лёгкой сборки, надёжности, низкой себестоимости не ухудшая функциональность.</a:t>
             </a:r>
           </a:p>
           <a:p>
@@ -9871,23 +9807,7 @@
             </a:pPr>
             <a:r>
               <a:rPr lang="ru-RU" sz="3600" dirty="0" smtClean="0"/>
-              <a:t>Сбор урожая – это трудоёмкий процесс, привлекающий большое количество человеко-часов. </a:t>
-            </a:r>
-            <a:r>
-              <a:rPr lang="ru-RU" sz="3600" dirty="0" smtClean="0"/>
-              <a:t>Важной задачей для сельского хозяйства является оптимизация процесса </a:t>
-            </a:r>
-            <a:r>
-              <a:rPr lang="ru-RU" sz="3600" dirty="0" smtClean="0"/>
-              <a:t>уборки </a:t>
-            </a:r>
-            <a:r>
-              <a:rPr lang="ru-RU" sz="3600" dirty="0" smtClean="0"/>
-              <a:t>урожая и доставки производимой продукции </a:t>
-            </a:r>
-            <a:r>
-              <a:rPr lang="ru-RU" sz="3600" dirty="0" smtClean="0"/>
-              <a:t>в центры переработки.</a:t>
+              <a:t>Сбор урожая – это трудоёмкий процесс, привлекающий большое количество человеко-часов. Важной задачей для сельского хозяйства является оптимизация процесса уборки урожая и доставки производимой продукции в центры переработки.</a:t>
             </a:r>
           </a:p>
           <a:p>
@@ -10056,7 +9976,6 @@
               <a:rPr lang="ru-RU" sz="2800" dirty="0" smtClean="0"/>
               <a:t>».</a:t>
             </a:r>
-            <a:endParaRPr lang="ru-RU" sz="2800" dirty="0" smtClean="0"/>
           </a:p>
           <a:p>
             <a:pPr marL="0" indent="0">
@@ -10529,11 +10448,7 @@
             </a:pPr>
             <a:r>
               <a:rPr lang="ru-RU" sz="2800" dirty="0" smtClean="0"/>
-              <a:t>Была </a:t>
-            </a:r>
-            <a:r>
-              <a:rPr lang="ru-RU" sz="2800" dirty="0" smtClean="0"/>
-              <a:t>разработана </a:t>
+              <a:t>Была разработана </a:t>
             </a:r>
             <a:r>
               <a:rPr lang="en-US" sz="2800" dirty="0" smtClean="0"/>

--- a/Presentation/Презентация проектных решений.pptx
+++ b/Presentation/Презентация проектных решений.pptx
@@ -5,7 +5,7 @@
     <p:sldMasterId id="2147483912" r:id="rId1"/>
   </p:sldMasterIdLst>
   <p:notesMasterIdLst>
-    <p:notesMasterId r:id="rId19"/>
+    <p:notesMasterId r:id="rId20"/>
   </p:notesMasterIdLst>
   <p:sldIdLst>
     <p:sldId id="256" r:id="rId2"/>
@@ -19,12 +19,13 @@
     <p:sldId id="264" r:id="rId10"/>
     <p:sldId id="271" r:id="rId11"/>
     <p:sldId id="263" r:id="rId12"/>
-    <p:sldId id="272" r:id="rId13"/>
-    <p:sldId id="265" r:id="rId14"/>
-    <p:sldId id="266" r:id="rId15"/>
-    <p:sldId id="267" r:id="rId16"/>
-    <p:sldId id="262" r:id="rId17"/>
-    <p:sldId id="268" r:id="rId18"/>
+    <p:sldId id="273" r:id="rId13"/>
+    <p:sldId id="272" r:id="rId14"/>
+    <p:sldId id="265" r:id="rId15"/>
+    <p:sldId id="266" r:id="rId16"/>
+    <p:sldId id="267" r:id="rId17"/>
+    <p:sldId id="262" r:id="rId18"/>
+    <p:sldId id="268" r:id="rId19"/>
   </p:sldIdLst>
   <p:sldSz cx="12192000" cy="6858000"/>
   <p:notesSz cx="6858000" cy="9144000"/>
@@ -630,7 +631,91 @@
           <a:p>
             <a:fld id="{843B2550-E430-4D64-882F-5EB6F7679417}" type="slidenum">
               <a:rPr lang="ru-RU" smtClean="0"/>
-              <a:t>16</a:t>
+              <a:t>10</a:t>
+            </a:fld>
+            <a:endParaRPr lang="ru-RU"/>
+          </a:p>
+        </p:txBody>
+      </p:sp>
+    </p:spTree>
+    <p:extLst>
+      <p:ext uri="{BB962C8B-B14F-4D97-AF65-F5344CB8AC3E}">
+        <p14:creationId xmlns:p14="http://schemas.microsoft.com/office/powerpoint/2010/main" val="1343770481"/>
+      </p:ext>
+    </p:extLst>
+  </p:cSld>
+  <p:clrMapOvr>
+    <a:masterClrMapping/>
+  </p:clrMapOvr>
+</p:notes>
+</file>
+
+<file path=ppt/notesSlides/notesSlide3.xml><?xml version="1.0" encoding="utf-8"?>
+<p:notes xmlns:a="http://schemas.openxmlformats.org/drawingml/2006/main" xmlns:r="http://schemas.openxmlformats.org/officeDocument/2006/relationships" xmlns:p="http://schemas.openxmlformats.org/presentationml/2006/main">
+  <p:cSld>
+    <p:spTree>
+      <p:nvGrpSpPr>
+        <p:cNvPr id="1" name=""/>
+        <p:cNvGrpSpPr/>
+        <p:nvPr/>
+      </p:nvGrpSpPr>
+      <p:grpSpPr>
+        <a:xfrm>
+          <a:off x="0" y="0"/>
+          <a:ext cx="0" cy="0"/>
+          <a:chOff x="0" y="0"/>
+          <a:chExt cx="0" cy="0"/>
+        </a:xfrm>
+      </p:grpSpPr>
+      <p:sp>
+        <p:nvSpPr>
+          <p:cNvPr id="2" name="Образ слайда 1"/>
+          <p:cNvSpPr>
+            <a:spLocks noGrp="1" noRot="1" noChangeAspect="1"/>
+          </p:cNvSpPr>
+          <p:nvPr>
+            <p:ph type="sldImg"/>
+          </p:nvPr>
+        </p:nvSpPr>
+        <p:spPr/>
+      </p:sp>
+      <p:sp>
+        <p:nvSpPr>
+          <p:cNvPr id="3" name="Заметки 2"/>
+          <p:cNvSpPr>
+            <a:spLocks noGrp="1"/>
+          </p:cNvSpPr>
+          <p:nvPr>
+            <p:ph type="body" idx="1"/>
+          </p:nvPr>
+        </p:nvSpPr>
+        <p:spPr/>
+        <p:txBody>
+          <a:bodyPr/>
+          <a:lstStyle/>
+          <a:p>
+            <a:endParaRPr lang="ru-RU" dirty="0"/>
+          </a:p>
+        </p:txBody>
+      </p:sp>
+      <p:sp>
+        <p:nvSpPr>
+          <p:cNvPr id="4" name="Номер слайда 3"/>
+          <p:cNvSpPr>
+            <a:spLocks noGrp="1"/>
+          </p:cNvSpPr>
+          <p:nvPr>
+            <p:ph type="sldNum" sz="quarter" idx="10"/>
+          </p:nvPr>
+        </p:nvSpPr>
+        <p:spPr/>
+        <p:txBody>
+          <a:bodyPr/>
+          <a:lstStyle/>
+          <a:p>
+            <a:fld id="{843B2550-E430-4D64-882F-5EB6F7679417}" type="slidenum">
+              <a:rPr lang="ru-RU" smtClean="0"/>
+              <a:t>17</a:t>
             </a:fld>
             <a:endParaRPr lang="ru-RU"/>
           </a:p>
@@ -8349,7 +8434,11 @@
           <a:p>
             <a:r>
               <a:rPr lang="ru-RU" sz="2400" dirty="0" smtClean="0"/>
-              <a:t>Компетенция </a:t>
+              <a:t>к</a:t>
+            </a:r>
+            <a:r>
+              <a:rPr lang="ru-RU" sz="2400" dirty="0" smtClean="0"/>
+              <a:t>омпетенция </a:t>
             </a:r>
             <a:r>
               <a:rPr lang="ru-RU" sz="2400" dirty="0"/>
@@ -8419,31 +8508,386 @@
           <a:p>
             <a:r>
               <a:rPr lang="ru-RU" dirty="0" smtClean="0"/>
-              <a:t>Сервопривод захвата</a:t>
+              <a:t>Сервопривод </a:t>
+            </a:r>
+            <a:r>
+              <a:rPr lang="ru-RU" dirty="0" smtClean="0"/>
+              <a:t>захвата</a:t>
+            </a:r>
+            <a:r>
+              <a:rPr lang="en-US" dirty="0" smtClean="0"/>
+              <a:t> – </a:t>
+            </a:r>
+            <a:r>
+              <a:rPr lang="ru-RU" dirty="0" smtClean="0"/>
+              <a:t>технические характеристики</a:t>
             </a:r>
             <a:endParaRPr lang="ru-RU" dirty="0"/>
           </a:p>
         </p:txBody>
       </p:sp>
-      <p:sp>
-        <p:nvSpPr>
-          <p:cNvPr id="3" name="Объект 2"/>
-          <p:cNvSpPr>
-            <a:spLocks noGrp="1"/>
-          </p:cNvSpPr>
+      <p:graphicFrame>
+        <p:nvGraphicFramePr>
+          <p:cNvPr id="4" name="Объект 3"/>
+          <p:cNvGraphicFramePr>
+            <a:graphicFrameLocks noGrp="1"/>
+          </p:cNvGraphicFramePr>
           <p:nvPr>
             <p:ph idx="1"/>
-          </p:nvPr>
-        </p:nvSpPr>
-        <p:spPr/>
-        <p:txBody>
-          <a:bodyPr/>
-          <a:lstStyle/>
-          <a:p>
-            <a:endParaRPr lang="ru-RU" dirty="0"/>
-          </a:p>
-        </p:txBody>
-      </p:sp>
+            <p:extLst>
+              <p:ext uri="{D42A27DB-BD31-4B8C-83A1-F6EECF244321}">
+                <p14:modId xmlns:p14="http://schemas.microsoft.com/office/powerpoint/2010/main" val="3230224864"/>
+              </p:ext>
+            </p:extLst>
+          </p:nvPr>
+        </p:nvGraphicFramePr>
+        <p:xfrm>
+          <a:off x="680319" y="2395523"/>
+          <a:ext cx="10359592" cy="3837497"/>
+        </p:xfrm>
+        <a:graphic>
+          <a:graphicData uri="http://schemas.openxmlformats.org/drawingml/2006/table">
+            <a:tbl>
+              <a:tblPr firstRow="1" bandRow="1">
+                <a:tableStyleId>{5C22544A-7EE6-4342-B048-85BDC9FD1C3A}</a:tableStyleId>
+              </a:tblPr>
+              <a:tblGrid>
+                <a:gridCol w="5179796">
+                  <a:extLst>
+                    <a:ext uri="{9D8B030D-6E8A-4147-A177-3AD203B41FA5}">
+                      <a16:colId xmlns:a16="http://schemas.microsoft.com/office/drawing/2014/main" val="2002771557"/>
+                    </a:ext>
+                  </a:extLst>
+                </a:gridCol>
+                <a:gridCol w="5179796">
+                  <a:extLst>
+                    <a:ext uri="{9D8B030D-6E8A-4147-A177-3AD203B41FA5}">
+                      <a16:colId xmlns:a16="http://schemas.microsoft.com/office/drawing/2014/main" val="307833059"/>
+                    </a:ext>
+                  </a:extLst>
+                </a:gridCol>
+              </a:tblGrid>
+              <a:tr h="437038">
+                <a:tc>
+                  <a:txBody>
+                    <a:bodyPr/>
+                    <a:lstStyle/>
+                    <a:p>
+                      <a:endParaRPr lang="ru-RU" dirty="0"/>
+                    </a:p>
+                  </a:txBody>
+                  <a:tcPr/>
+                </a:tc>
+                <a:tc>
+                  <a:txBody>
+                    <a:bodyPr/>
+                    <a:lstStyle/>
+                    <a:p>
+                      <a:endParaRPr lang="ru-RU"/>
+                    </a:p>
+                  </a:txBody>
+                  <a:tcPr/>
+                </a:tc>
+                <a:extLst>
+                  <a:ext uri="{0D108BD9-81ED-4DB2-BD59-A6C34878D82A}">
+                    <a16:rowId xmlns:a16="http://schemas.microsoft.com/office/drawing/2014/main" val="1458462498"/>
+                  </a:ext>
+                </a:extLst>
+              </a:tr>
+              <a:tr h="437038">
+                <a:tc>
+                  <a:txBody>
+                    <a:bodyPr/>
+                    <a:lstStyle/>
+                    <a:p>
+                      <a:r>
+                        <a:rPr lang="ru-RU" dirty="0" smtClean="0"/>
+                        <a:t>Рабочее напряжение</a:t>
+                      </a:r>
+                      <a:endParaRPr lang="ru-RU" dirty="0"/>
+                    </a:p>
+                  </a:txBody>
+                  <a:tcPr/>
+                </a:tc>
+                <a:tc>
+                  <a:txBody>
+                    <a:bodyPr/>
+                    <a:lstStyle/>
+                    <a:p>
+                      <a:r>
+                        <a:rPr lang="ru-RU" dirty="0" smtClean="0"/>
+                        <a:t>4.8</a:t>
+                      </a:r>
+                      <a:r>
+                        <a:rPr lang="ru-RU" baseline="0" dirty="0" smtClean="0"/>
+                        <a:t> – 7.2В</a:t>
+                      </a:r>
+                      <a:endParaRPr lang="ru-RU" dirty="0"/>
+                    </a:p>
+                  </a:txBody>
+                  <a:tcPr/>
+                </a:tc>
+                <a:extLst>
+                  <a:ext uri="{0D108BD9-81ED-4DB2-BD59-A6C34878D82A}">
+                    <a16:rowId xmlns:a16="http://schemas.microsoft.com/office/drawing/2014/main" val="922927084"/>
+                  </a:ext>
+                </a:extLst>
+              </a:tr>
+              <a:tr h="437038">
+                <a:tc>
+                  <a:txBody>
+                    <a:bodyPr/>
+                    <a:lstStyle/>
+                    <a:p>
+                      <a:r>
+                        <a:rPr lang="ru-RU" dirty="0" smtClean="0"/>
+                        <a:t>Угол поворота</a:t>
+                      </a:r>
+                      <a:endParaRPr lang="ru-RU" dirty="0"/>
+                    </a:p>
+                  </a:txBody>
+                  <a:tcPr/>
+                </a:tc>
+                <a:tc>
+                  <a:txBody>
+                    <a:bodyPr/>
+                    <a:lstStyle/>
+                    <a:p>
+                      <a:r>
+                        <a:rPr lang="ru-RU" dirty="0" smtClean="0"/>
+                        <a:t>120 градусов</a:t>
+                      </a:r>
+                      <a:endParaRPr lang="ru-RU" dirty="0"/>
+                    </a:p>
+                  </a:txBody>
+                  <a:tcPr/>
+                </a:tc>
+                <a:extLst>
+                  <a:ext uri="{0D108BD9-81ED-4DB2-BD59-A6C34878D82A}">
+                    <a16:rowId xmlns:a16="http://schemas.microsoft.com/office/drawing/2014/main" val="1540563113"/>
+                  </a:ext>
+                </a:extLst>
+              </a:tr>
+              <a:tr h="897968">
+                <a:tc>
+                  <a:txBody>
+                    <a:bodyPr/>
+                    <a:lstStyle/>
+                    <a:p>
+                      <a:r>
+                        <a:rPr lang="ru-RU" dirty="0" smtClean="0"/>
+                        <a:t>Крутящий момент</a:t>
+                      </a:r>
+                      <a:endParaRPr lang="ru-RU" dirty="0"/>
+                    </a:p>
+                  </a:txBody>
+                  <a:tcPr anchor="ctr"/>
+                </a:tc>
+                <a:tc>
+                  <a:txBody>
+                    <a:bodyPr/>
+                    <a:lstStyle/>
+                    <a:p>
+                      <a:r>
+                        <a:rPr lang="ru-RU" dirty="0" smtClean="0"/>
+                        <a:t>8.5 кг/см</a:t>
+                      </a:r>
+                      <a:r>
+                        <a:rPr lang="ru-RU" baseline="0" dirty="0" smtClean="0"/>
+                        <a:t> </a:t>
+                      </a:r>
+                      <a:r>
+                        <a:rPr lang="en-US" baseline="0" dirty="0" smtClean="0"/>
+                        <a:t>@ </a:t>
+                      </a:r>
+                      <a:r>
+                        <a:rPr lang="ru-RU" baseline="0" dirty="0" smtClean="0"/>
+                        <a:t>4.8В</a:t>
+                      </a:r>
+                    </a:p>
+                    <a:p>
+                      <a:r>
+                        <a:rPr lang="en-US" baseline="0" dirty="0" smtClean="0"/>
+                        <a:t> </a:t>
+                      </a:r>
+                      <a:r>
+                        <a:rPr lang="ru-RU" baseline="0" dirty="0" smtClean="0"/>
+                        <a:t>10 кг/см </a:t>
+                      </a:r>
+                      <a:r>
+                        <a:rPr lang="en-US" baseline="0" dirty="0" smtClean="0"/>
+                        <a:t>@</a:t>
+                      </a:r>
+                      <a:r>
+                        <a:rPr lang="ru-RU" baseline="0" dirty="0" smtClean="0"/>
+                        <a:t> 6В</a:t>
+                      </a:r>
+                      <a:endParaRPr lang="ru-RU" dirty="0"/>
+                    </a:p>
+                  </a:txBody>
+                  <a:tcPr anchor="ctr"/>
+                </a:tc>
+                <a:extLst>
+                  <a:ext uri="{0D108BD9-81ED-4DB2-BD59-A6C34878D82A}">
+                    <a16:rowId xmlns:a16="http://schemas.microsoft.com/office/drawing/2014/main" val="2426526273"/>
+                  </a:ext>
+                </a:extLst>
+              </a:tr>
+              <a:tr h="754339">
+                <a:tc>
+                  <a:txBody>
+                    <a:bodyPr/>
+                    <a:lstStyle/>
+                    <a:p>
+                      <a:r>
+                        <a:rPr lang="ru-RU" dirty="0" smtClean="0"/>
+                        <a:t>Скорость</a:t>
+                      </a:r>
+                      <a:endParaRPr lang="ru-RU" dirty="0"/>
+                    </a:p>
+                  </a:txBody>
+                  <a:tcPr anchor="ctr"/>
+                </a:tc>
+                <a:tc>
+                  <a:txBody>
+                    <a:bodyPr/>
+                    <a:lstStyle/>
+                    <a:p>
+                      <a:r>
+                        <a:rPr lang="ru-RU" dirty="0" smtClean="0"/>
+                        <a:t>0.20</a:t>
+                      </a:r>
+                      <a:r>
+                        <a:rPr lang="ru-RU" baseline="0" dirty="0" smtClean="0"/>
+                        <a:t> сек/60</a:t>
+                      </a:r>
+                      <a:r>
+                        <a:rPr lang="en-US" baseline="0" dirty="0" smtClean="0"/>
+                        <a:t>º</a:t>
+                      </a:r>
+                      <a:r>
+                        <a:rPr lang="ru-RU" baseline="0" dirty="0" smtClean="0"/>
+                        <a:t> </a:t>
+                      </a:r>
+                      <a:r>
+                        <a:rPr lang="en-US" baseline="0" dirty="0" smtClean="0"/>
+                        <a:t>@</a:t>
+                      </a:r>
+                      <a:r>
+                        <a:rPr lang="ru-RU" baseline="0" dirty="0" smtClean="0"/>
+                        <a:t> </a:t>
+                      </a:r>
+                      <a:r>
+                        <a:rPr lang="ru-RU" baseline="0" dirty="0" smtClean="0"/>
+                        <a:t>4.8В</a:t>
+                      </a:r>
+                    </a:p>
+                    <a:p>
+                      <a:r>
+                        <a:rPr lang="ru-RU" baseline="0" dirty="0" smtClean="0"/>
+                        <a:t>0.16 сек/60</a:t>
+                      </a:r>
+                      <a:r>
+                        <a:rPr lang="en-US" baseline="0" dirty="0" smtClean="0"/>
+                        <a:t>º</a:t>
+                      </a:r>
+                      <a:r>
+                        <a:rPr lang="ru-RU" baseline="0" dirty="0" smtClean="0"/>
+                        <a:t> </a:t>
+                      </a:r>
+                      <a:r>
+                        <a:rPr lang="en-US" baseline="0" dirty="0" smtClean="0"/>
+                        <a:t>@</a:t>
+                      </a:r>
+                      <a:r>
+                        <a:rPr lang="ru-RU" baseline="0" dirty="0" smtClean="0"/>
+                        <a:t> 6В</a:t>
+                      </a:r>
+                      <a:endParaRPr lang="ru-RU" baseline="0" dirty="0" smtClean="0"/>
+                    </a:p>
+                  </a:txBody>
+                  <a:tcPr anchor="ctr"/>
+                </a:tc>
+                <a:extLst>
+                  <a:ext uri="{0D108BD9-81ED-4DB2-BD59-A6C34878D82A}">
+                    <a16:rowId xmlns:a16="http://schemas.microsoft.com/office/drawing/2014/main" val="3706223229"/>
+                  </a:ext>
+                </a:extLst>
+              </a:tr>
+              <a:tr h="437038">
+                <a:tc>
+                  <a:txBody>
+                    <a:bodyPr/>
+                    <a:lstStyle/>
+                    <a:p>
+                      <a:r>
+                        <a:rPr lang="ru-RU" dirty="0" smtClean="0"/>
+                        <a:t>Вес</a:t>
+                      </a:r>
+                      <a:endParaRPr lang="ru-RU" dirty="0"/>
+                    </a:p>
+                  </a:txBody>
+                  <a:tcPr/>
+                </a:tc>
+                <a:tc>
+                  <a:txBody>
+                    <a:bodyPr/>
+                    <a:lstStyle/>
+                    <a:p>
+                      <a:r>
+                        <a:rPr lang="ru-RU" dirty="0" smtClean="0"/>
+                        <a:t>55г</a:t>
+                      </a:r>
+                      <a:endParaRPr lang="ru-RU" dirty="0"/>
+                    </a:p>
+                  </a:txBody>
+                  <a:tcPr/>
+                </a:tc>
+                <a:extLst>
+                  <a:ext uri="{0D108BD9-81ED-4DB2-BD59-A6C34878D82A}">
+                    <a16:rowId xmlns:a16="http://schemas.microsoft.com/office/drawing/2014/main" val="1608962901"/>
+                  </a:ext>
+                </a:extLst>
+              </a:tr>
+              <a:tr h="437038">
+                <a:tc>
+                  <a:txBody>
+                    <a:bodyPr/>
+                    <a:lstStyle/>
+                    <a:p>
+                      <a:r>
+                        <a:rPr lang="ru-RU" dirty="0" smtClean="0"/>
+                        <a:t>Размер</a:t>
+                      </a:r>
+                      <a:endParaRPr lang="ru-RU" dirty="0"/>
+                    </a:p>
+                  </a:txBody>
+                  <a:tcPr/>
+                </a:tc>
+                <a:tc>
+                  <a:txBody>
+                    <a:bodyPr/>
+                    <a:lstStyle/>
+                    <a:p>
+                      <a:r>
+                        <a:rPr lang="ru-RU" dirty="0" smtClean="0"/>
+                        <a:t>40х20х42мм</a:t>
+                      </a:r>
+                      <a:endParaRPr lang="ru-RU" dirty="0"/>
+                    </a:p>
+                  </a:txBody>
+                  <a:tcPr/>
+                </a:tc>
+                <a:extLst>
+                  <a:ext uri="{0D108BD9-81ED-4DB2-BD59-A6C34878D82A}">
+                    <a16:rowId xmlns:a16="http://schemas.microsoft.com/office/drawing/2014/main" val="3448583415"/>
+                  </a:ext>
+                </a:extLst>
+              </a:tr>
+            </a:tbl>
+          </a:graphicData>
+        </a:graphic>
+      </p:graphicFrame>
     </p:spTree>
     <p:extLst>
       <p:ext uri="{BB962C8B-B14F-4D97-AF65-F5344CB8AC3E}">
@@ -8707,6 +9151,93 @@
 </file>
 
 <file path=ppt/slides/slide12.xml><?xml version="1.0" encoding="utf-8"?>
+<p:sld xmlns:a="http://schemas.openxmlformats.org/drawingml/2006/main" xmlns:r="http://schemas.openxmlformats.org/officeDocument/2006/relationships" xmlns:p="http://schemas.openxmlformats.org/presentationml/2006/main" showMasterSp="0">
+  <p:cSld>
+    <p:spTree>
+      <p:nvGrpSpPr>
+        <p:cNvPr id="1" name=""/>
+        <p:cNvGrpSpPr/>
+        <p:nvPr/>
+      </p:nvGrpSpPr>
+      <p:grpSpPr>
+        <a:xfrm>
+          <a:off x="0" y="0"/>
+          <a:ext cx="0" cy="0"/>
+          <a:chOff x="0" y="0"/>
+          <a:chExt cx="0" cy="0"/>
+        </a:xfrm>
+      </p:grpSpPr>
+      <p:sp>
+        <p:nvSpPr>
+          <p:cNvPr id="11" name="Объект 10"/>
+          <p:cNvSpPr>
+            <a:spLocks noGrp="1"/>
+          </p:cNvSpPr>
+          <p:nvPr>
+            <p:ph idx="1"/>
+          </p:nvPr>
+        </p:nvSpPr>
+        <p:spPr>
+          <a:xfrm>
+            <a:off x="5922628" y="722284"/>
+            <a:ext cx="5419288" cy="5400731"/>
+          </a:xfrm>
+        </p:spPr>
+        <p:txBody>
+          <a:bodyPr/>
+          <a:lstStyle/>
+          <a:p>
+            <a:pPr marL="0" indent="0">
+              <a:buNone/>
+            </a:pPr>
+            <a:endParaRPr lang="ru-RU" i="1" dirty="0"/>
+          </a:p>
+        </p:txBody>
+      </p:sp>
+      <p:pic>
+        <p:nvPicPr>
+          <p:cNvPr id="12" name="Объект 9"/>
+          <p:cNvPicPr>
+            <a:picLocks noChangeAspect="1"/>
+          </p:cNvPicPr>
+          <p:nvPr/>
+        </p:nvPicPr>
+        <p:blipFill>
+          <a:blip r:embed="rId2">
+            <a:extLst>
+              <a:ext uri="{28A0092B-C50C-407E-A947-70E740481C1C}">
+                <a14:useLocalDpi xmlns:a14="http://schemas.microsoft.com/office/drawing/2010/main" val="0"/>
+              </a:ext>
+            </a:extLst>
+          </a:blip>
+          <a:stretch>
+            <a:fillRect/>
+          </a:stretch>
+        </p:blipFill>
+        <p:spPr>
+          <a:xfrm>
+            <a:off x="544280" y="722283"/>
+            <a:ext cx="4967287" cy="5400732"/>
+          </a:xfrm>
+          <a:prstGeom prst="rect">
+            <a:avLst/>
+          </a:prstGeom>
+        </p:spPr>
+      </p:pic>
+    </p:spTree>
+    <p:extLst>
+      <p:ext uri="{BB962C8B-B14F-4D97-AF65-F5344CB8AC3E}">
+        <p14:creationId xmlns:p14="http://schemas.microsoft.com/office/powerpoint/2010/main" val="2920334625"/>
+      </p:ext>
+    </p:extLst>
+  </p:cSld>
+  <p:clrMapOvr>
+    <a:masterClrMapping/>
+  </p:clrMapOvr>
+</p:sld>
+</file>
+
+<file path=ppt/slides/slide13.xml><?xml version="1.0" encoding="utf-8"?>
 <p:sld xmlns:a="http://schemas.openxmlformats.org/drawingml/2006/main" xmlns:r="http://schemas.openxmlformats.org/officeDocument/2006/relationships" xmlns:p="http://schemas.openxmlformats.org/presentationml/2006/main">
   <p:cSld>
     <p:spTree>
@@ -8917,126 +9448,6 @@
     <p:extLst>
       <p:ext uri="{BB962C8B-B14F-4D97-AF65-F5344CB8AC3E}">
         <p14:creationId xmlns:p14="http://schemas.microsoft.com/office/powerpoint/2010/main" val="2332652454"/>
-      </p:ext>
-    </p:extLst>
-  </p:cSld>
-  <p:clrMapOvr>
-    <a:masterClrMapping/>
-  </p:clrMapOvr>
-  <p:timing>
-    <p:tnLst>
-      <p:par>
-        <p:cTn id="1" dur="indefinite" restart="never" nodeType="tmRoot"/>
-      </p:par>
-    </p:tnLst>
-  </p:timing>
-</p:sld>
-</file>
-
-<file path=ppt/slides/slide13.xml><?xml version="1.0" encoding="utf-8"?>
-<p:sld xmlns:a="http://schemas.openxmlformats.org/drawingml/2006/main" xmlns:r="http://schemas.openxmlformats.org/officeDocument/2006/relationships" xmlns:p="http://schemas.openxmlformats.org/presentationml/2006/main">
-  <p:cSld>
-    <p:spTree>
-      <p:nvGrpSpPr>
-        <p:cNvPr id="1" name=""/>
-        <p:cNvGrpSpPr/>
-        <p:nvPr/>
-      </p:nvGrpSpPr>
-      <p:grpSpPr>
-        <a:xfrm>
-          <a:off x="0" y="0"/>
-          <a:ext cx="0" cy="0"/>
-          <a:chOff x="0" y="0"/>
-          <a:chExt cx="0" cy="0"/>
-        </a:xfrm>
-      </p:grpSpPr>
-      <p:sp>
-        <p:nvSpPr>
-          <p:cNvPr id="2" name="Заголовок 1"/>
-          <p:cNvSpPr>
-            <a:spLocks noGrp="1"/>
-          </p:cNvSpPr>
-          <p:nvPr>
-            <p:ph type="title"/>
-          </p:nvPr>
-        </p:nvSpPr>
-        <p:spPr/>
-        <p:txBody>
-          <a:bodyPr>
-            <a:normAutofit/>
-          </a:bodyPr>
-          <a:lstStyle/>
-          <a:p>
-            <a:r>
-              <a:rPr lang="ru-RU" sz="4800" dirty="0" smtClean="0"/>
-              <a:t>Техническое зрение</a:t>
-            </a:r>
-            <a:endParaRPr lang="ru-RU" sz="4800" dirty="0"/>
-          </a:p>
-        </p:txBody>
-      </p:sp>
-      <p:sp>
-        <p:nvSpPr>
-          <p:cNvPr id="3" name="Объект 2"/>
-          <p:cNvSpPr>
-            <a:spLocks noGrp="1"/>
-          </p:cNvSpPr>
-          <p:nvPr>
-            <p:ph idx="1"/>
-          </p:nvPr>
-        </p:nvSpPr>
-        <p:spPr/>
-        <p:txBody>
-          <a:bodyPr>
-            <a:normAutofit/>
-          </a:bodyPr>
-          <a:lstStyle/>
-          <a:p>
-            <a:pPr marL="0" indent="0">
-              <a:buNone/>
-            </a:pPr>
-            <a:r>
-              <a:rPr lang="ru-RU" sz="2800" dirty="0" smtClean="0"/>
-              <a:t>В конструкции робота используется веб-камера. </a:t>
-            </a:r>
-          </a:p>
-          <a:p>
-            <a:pPr marL="0" indent="0">
-              <a:buNone/>
-            </a:pPr>
-            <a:r>
-              <a:rPr lang="ru-RU" sz="2800" dirty="0" smtClean="0"/>
-              <a:t>Большое значение при подборе камеры имеет её цветопередача.</a:t>
-            </a:r>
-          </a:p>
-          <a:p>
-            <a:pPr marL="0" indent="0">
-              <a:buNone/>
-            </a:pPr>
-            <a:r>
-              <a:rPr lang="ru-RU" sz="2800" dirty="0" smtClean="0"/>
-              <a:t>В программе </a:t>
-            </a:r>
-            <a:r>
-              <a:rPr lang="en-US" sz="2800" dirty="0" err="1" smtClean="0"/>
-              <a:t>Robotino</a:t>
-            </a:r>
-            <a:r>
-              <a:rPr lang="en-US" sz="2800" dirty="0" smtClean="0"/>
-              <a:t> </a:t>
-            </a:r>
-            <a:r>
-              <a:rPr lang="ru-RU" sz="2800" dirty="0" smtClean="0"/>
-              <a:t>есть возможность изменения разрешающей способности камеры.</a:t>
-            </a:r>
-            <a:endParaRPr lang="ru-RU" sz="2800" dirty="0"/>
-          </a:p>
-        </p:txBody>
-      </p:sp>
-    </p:spTree>
-    <p:extLst>
-      <p:ext uri="{BB962C8B-B14F-4D97-AF65-F5344CB8AC3E}">
-        <p14:creationId xmlns:p14="http://schemas.microsoft.com/office/powerpoint/2010/main" val="1818298318"/>
       </p:ext>
     </p:extLst>
   </p:cSld>
@@ -9083,15 +9494,15 @@
         <p:spPr/>
         <p:txBody>
           <a:bodyPr>
-            <a:noAutofit/>
+            <a:normAutofit/>
           </a:bodyPr>
           <a:lstStyle/>
           <a:p>
             <a:r>
-              <a:rPr lang="ru-RU" sz="4400" dirty="0" smtClean="0"/>
-              <a:t>Построение алгоритма работы мобильной платформы</a:t>
-            </a:r>
-            <a:endParaRPr lang="ru-RU" sz="4400" dirty="0"/>
+              <a:rPr lang="ru-RU" sz="4800" dirty="0" smtClean="0"/>
+              <a:t>Техническое зрение</a:t>
+            </a:r>
+            <a:endParaRPr lang="ru-RU" sz="4800" dirty="0"/>
           </a:p>
         </p:txBody>
       </p:sp>
@@ -9112,6 +9523,43 @@
           </a:bodyPr>
           <a:lstStyle/>
           <a:p>
+            <a:pPr marL="0" indent="0">
+              <a:buNone/>
+            </a:pPr>
+            <a:r>
+              <a:rPr lang="ru-RU" sz="2800" dirty="0" smtClean="0"/>
+              <a:t>В конструкции робота используется веб-камера. </a:t>
+            </a:r>
+          </a:p>
+          <a:p>
+            <a:pPr marL="0" indent="0">
+              <a:buNone/>
+            </a:pPr>
+            <a:r>
+              <a:rPr lang="ru-RU" sz="2800" dirty="0" smtClean="0"/>
+              <a:t>Большое значение при подборе камеры имеет её цветопередача.</a:t>
+            </a:r>
+          </a:p>
+          <a:p>
+            <a:pPr marL="0" indent="0">
+              <a:buNone/>
+            </a:pPr>
+            <a:r>
+              <a:rPr lang="ru-RU" sz="2800" dirty="0" smtClean="0"/>
+              <a:t>В программе </a:t>
+            </a:r>
+            <a:r>
+              <a:rPr lang="en-US" sz="2800" dirty="0" err="1" smtClean="0"/>
+              <a:t>Robotino</a:t>
+            </a:r>
+            <a:r>
+              <a:rPr lang="en-US" sz="2800" dirty="0" smtClean="0"/>
+              <a:t> </a:t>
+            </a:r>
+            <a:r>
+              <a:rPr lang="ru-RU" sz="2800" dirty="0" smtClean="0"/>
+              <a:t>есть возможность изменения разрешающей способности камеры.</a:t>
+            </a:r>
             <a:endParaRPr lang="ru-RU" sz="2800" dirty="0"/>
           </a:p>
         </p:txBody>
@@ -9119,7 +9567,7 @@
     </p:spTree>
     <p:extLst>
       <p:ext uri="{BB962C8B-B14F-4D97-AF65-F5344CB8AC3E}">
-        <p14:creationId xmlns:p14="http://schemas.microsoft.com/office/powerpoint/2010/main" val="2448969292"/>
+        <p14:creationId xmlns:p14="http://schemas.microsoft.com/office/powerpoint/2010/main" val="1818298318"/>
       </p:ext>
     </p:extLst>
   </p:cSld>
@@ -9165,14 +9613,16 @@
         </p:nvSpPr>
         <p:spPr/>
         <p:txBody>
-          <a:bodyPr/>
+          <a:bodyPr>
+            <a:noAutofit/>
+          </a:bodyPr>
           <a:lstStyle/>
           <a:p>
             <a:r>
-              <a:rPr lang="ru-RU" sz="4800" dirty="0" smtClean="0"/>
-              <a:t>Перспективы</a:t>
-            </a:r>
-            <a:endParaRPr lang="ru-RU" dirty="0"/>
+              <a:rPr lang="ru-RU" sz="4400" dirty="0" smtClean="0"/>
+              <a:t>Построение алгоритма работы мобильной платформы</a:t>
+            </a:r>
+            <a:endParaRPr lang="ru-RU" sz="4400" dirty="0"/>
           </a:p>
         </p:txBody>
       </p:sp>
@@ -9186,57 +9636,13 @@
             <p:ph idx="1"/>
           </p:nvPr>
         </p:nvSpPr>
-        <p:spPr>
-          <a:xfrm>
-            <a:off x="680321" y="2239861"/>
-            <a:ext cx="11127366" cy="4618138"/>
-          </a:xfrm>
-        </p:spPr>
+        <p:spPr/>
         <p:txBody>
           <a:bodyPr>
             <a:normAutofit/>
           </a:bodyPr>
           <a:lstStyle/>
           <a:p>
-            <a:r>
-              <a:rPr lang="ru-RU" sz="2800" dirty="0" smtClean="0"/>
-              <a:t>Использование </a:t>
-            </a:r>
-            <a:r>
-              <a:rPr lang="en-US" sz="2800" dirty="0" smtClean="0"/>
-              <a:t>3D </a:t>
-            </a:r>
-            <a:r>
-              <a:rPr lang="ru-RU" sz="2800" dirty="0" smtClean="0"/>
-              <a:t>принтера </a:t>
-            </a:r>
-            <a:r>
-              <a:rPr lang="ru-RU" sz="2800" dirty="0"/>
-              <a:t>позволяет получить элементы конструкции практически любой сложности</a:t>
-            </a:r>
-            <a:r>
-              <a:rPr lang="ru-RU" sz="2800" dirty="0" smtClean="0"/>
-              <a:t>.</a:t>
-            </a:r>
-          </a:p>
-          <a:p>
-            <a:r>
-              <a:rPr lang="ru-RU" sz="2800" dirty="0" smtClean="0"/>
-              <a:t>Разработанная конструкция легко масштабируется.</a:t>
-            </a:r>
-            <a:endParaRPr lang="ru-RU" sz="2800" dirty="0"/>
-          </a:p>
-          <a:p>
-            <a:r>
-              <a:rPr lang="ru-RU" sz="2800" dirty="0" smtClean="0"/>
-              <a:t>Современная элементная база позволяет реализовать данный проект с применением минимального количества компонентов, упрощённой и в то же время надёжной схемой управления.</a:t>
-            </a:r>
-          </a:p>
-          <a:p>
-            <a:r>
-              <a:rPr lang="ru-RU" sz="2800" dirty="0" smtClean="0"/>
-              <a:t>Данный робот отлично подходит как методическое пособие по изучению алгоритмов сортировки и перемещения объектов, разработки системы управления платформы со всенаправленными колёсами.</a:t>
-            </a:r>
             <a:endParaRPr lang="ru-RU" sz="2800" dirty="0"/>
           </a:p>
         </p:txBody>
@@ -9244,7 +9650,7 @@
     </p:spTree>
     <p:extLst>
       <p:ext uri="{BB962C8B-B14F-4D97-AF65-F5344CB8AC3E}">
-        <p14:creationId xmlns:p14="http://schemas.microsoft.com/office/powerpoint/2010/main" val="1532357421"/>
+        <p14:creationId xmlns:p14="http://schemas.microsoft.com/office/powerpoint/2010/main" val="2448969292"/>
       </p:ext>
     </p:extLst>
   </p:cSld>
@@ -9295,6 +9701,131 @@
           <a:p>
             <a:r>
               <a:rPr lang="ru-RU" sz="4800" dirty="0" smtClean="0"/>
+              <a:t>Перспективы</a:t>
+            </a:r>
+            <a:endParaRPr lang="ru-RU" dirty="0"/>
+          </a:p>
+        </p:txBody>
+      </p:sp>
+      <p:sp>
+        <p:nvSpPr>
+          <p:cNvPr id="3" name="Объект 2"/>
+          <p:cNvSpPr>
+            <a:spLocks noGrp="1"/>
+          </p:cNvSpPr>
+          <p:nvPr>
+            <p:ph idx="1"/>
+          </p:nvPr>
+        </p:nvSpPr>
+        <p:spPr>
+          <a:xfrm>
+            <a:off x="680321" y="2239861"/>
+            <a:ext cx="11127366" cy="4618138"/>
+          </a:xfrm>
+        </p:spPr>
+        <p:txBody>
+          <a:bodyPr>
+            <a:normAutofit/>
+          </a:bodyPr>
+          <a:lstStyle/>
+          <a:p>
+            <a:r>
+              <a:rPr lang="ru-RU" sz="2800" dirty="0" smtClean="0"/>
+              <a:t>Использование </a:t>
+            </a:r>
+            <a:r>
+              <a:rPr lang="en-US" sz="2800" dirty="0" smtClean="0"/>
+              <a:t>3D </a:t>
+            </a:r>
+            <a:r>
+              <a:rPr lang="ru-RU" sz="2800" dirty="0" smtClean="0"/>
+              <a:t>принтера </a:t>
+            </a:r>
+            <a:r>
+              <a:rPr lang="ru-RU" sz="2800" dirty="0"/>
+              <a:t>позволяет получить элементы конструкции практически любой сложности</a:t>
+            </a:r>
+            <a:r>
+              <a:rPr lang="ru-RU" sz="2800" dirty="0" smtClean="0"/>
+              <a:t>.</a:t>
+            </a:r>
+          </a:p>
+          <a:p>
+            <a:r>
+              <a:rPr lang="ru-RU" sz="2800" dirty="0" smtClean="0"/>
+              <a:t>Разработанная конструкция легко масштабируется.</a:t>
+            </a:r>
+            <a:endParaRPr lang="ru-RU" sz="2800" dirty="0"/>
+          </a:p>
+          <a:p>
+            <a:r>
+              <a:rPr lang="ru-RU" sz="2800" dirty="0" smtClean="0"/>
+              <a:t>Современная элементная база позволяет реализовать данный проект с применением минимального количества компонентов, упрощённой и в то же время надёжной схемой управления.</a:t>
+            </a:r>
+          </a:p>
+          <a:p>
+            <a:r>
+              <a:rPr lang="ru-RU" sz="2800" dirty="0" smtClean="0"/>
+              <a:t>Данный робот отлично подходит как методическое пособие по изучению алгоритмов сортировки и перемещения объектов, разработки системы управления платформы со всенаправленными колёсами.</a:t>
+            </a:r>
+            <a:endParaRPr lang="ru-RU" sz="2800" dirty="0"/>
+          </a:p>
+        </p:txBody>
+      </p:sp>
+    </p:spTree>
+    <p:extLst>
+      <p:ext uri="{BB962C8B-B14F-4D97-AF65-F5344CB8AC3E}">
+        <p14:creationId xmlns:p14="http://schemas.microsoft.com/office/powerpoint/2010/main" val="1532357421"/>
+      </p:ext>
+    </p:extLst>
+  </p:cSld>
+  <p:clrMapOvr>
+    <a:masterClrMapping/>
+  </p:clrMapOvr>
+  <p:timing>
+    <p:tnLst>
+      <p:par>
+        <p:cTn id="1" dur="indefinite" restart="never" nodeType="tmRoot"/>
+      </p:par>
+    </p:tnLst>
+  </p:timing>
+</p:sld>
+</file>
+
+<file path=ppt/slides/slide17.xml><?xml version="1.0" encoding="utf-8"?>
+<p:sld xmlns:a="http://schemas.openxmlformats.org/drawingml/2006/main" xmlns:r="http://schemas.openxmlformats.org/officeDocument/2006/relationships" xmlns:p="http://schemas.openxmlformats.org/presentationml/2006/main">
+  <p:cSld>
+    <p:spTree>
+      <p:nvGrpSpPr>
+        <p:cNvPr id="1" name=""/>
+        <p:cNvGrpSpPr/>
+        <p:nvPr/>
+      </p:nvGrpSpPr>
+      <p:grpSpPr>
+        <a:xfrm>
+          <a:off x="0" y="0"/>
+          <a:ext cx="0" cy="0"/>
+          <a:chOff x="0" y="0"/>
+          <a:chExt cx="0" cy="0"/>
+        </a:xfrm>
+      </p:grpSpPr>
+      <p:sp>
+        <p:nvSpPr>
+          <p:cNvPr id="2" name="Заголовок 1"/>
+          <p:cNvSpPr>
+            <a:spLocks noGrp="1"/>
+          </p:cNvSpPr>
+          <p:nvPr>
+            <p:ph type="title"/>
+          </p:nvPr>
+        </p:nvSpPr>
+        <p:spPr/>
+        <p:txBody>
+          <a:bodyPr/>
+          <a:lstStyle/>
+          <a:p>
+            <a:r>
+              <a:rPr lang="ru-RU" sz="4800" dirty="0" smtClean="0"/>
               <a:t>Выводы</a:t>
             </a:r>
             <a:endParaRPr lang="ru-RU" dirty="0"/>
@@ -9355,7 +9886,7 @@
 </p:sld>
 </file>
 
-<file path=ppt/slides/slide17.xml><?xml version="1.0" encoding="utf-8"?>
+<file path=ppt/slides/slide18.xml><?xml version="1.0" encoding="utf-8"?>
 <p:sld xmlns:a="http://schemas.openxmlformats.org/drawingml/2006/main" xmlns:r="http://schemas.openxmlformats.org/officeDocument/2006/relationships" xmlns:p="http://schemas.openxmlformats.org/presentationml/2006/main" showMasterSp="0">
   <p:cSld>
     <p:bg>
@@ -10411,8 +10942,8 @@
         </p:nvSpPr>
         <p:spPr>
           <a:xfrm>
-            <a:off x="6123963" y="2484783"/>
-            <a:ext cx="5802994" cy="3750871"/>
+            <a:off x="6123963" y="2336873"/>
+            <a:ext cx="5802994" cy="4357542"/>
           </a:xfrm>
         </p:spPr>
         <p:txBody>
@@ -10425,58 +10956,66 @@
               <a:buNone/>
             </a:pPr>
             <a:r>
-              <a:rPr lang="ru-RU" sz="2800" dirty="0" smtClean="0"/>
+              <a:rPr lang="ru-RU" dirty="0" smtClean="0"/>
               <a:t>В качестве прототипа использовался</a:t>
             </a:r>
             <a:r>
-              <a:rPr lang="en-US" sz="2800" dirty="0" smtClean="0"/>
-              <a:t> &lt;</a:t>
-            </a:r>
-            <a:r>
-              <a:rPr lang="ru-RU" sz="2800" dirty="0" smtClean="0"/>
-              <a:t>тип захвата</a:t>
-            </a:r>
-            <a:r>
-              <a:rPr lang="en-US" sz="2800" dirty="0" smtClean="0"/>
-              <a:t>&gt;</a:t>
-            </a:r>
-            <a:endParaRPr lang="ru-RU" sz="2800" dirty="0" smtClean="0"/>
+              <a:rPr lang="en-US" dirty="0" smtClean="0"/>
+              <a:t> </a:t>
+            </a:r>
+            <a:r>
+              <a:rPr lang="ru-RU" dirty="0" err="1" smtClean="0"/>
+              <a:t>двухпальцевый</a:t>
+            </a:r>
+            <a:r>
+              <a:rPr lang="ru-RU" dirty="0" smtClean="0"/>
+              <a:t> захват с </a:t>
+            </a:r>
+            <a:r>
+              <a:rPr lang="ru-RU" dirty="0" err="1" smtClean="0"/>
+              <a:t>четырёхрычажной</a:t>
+            </a:r>
+            <a:r>
+              <a:rPr lang="ru-RU" dirty="0" smtClean="0"/>
+              <a:t> тягой.</a:t>
+            </a:r>
+            <a:endParaRPr lang="ru-RU" dirty="0" smtClean="0"/>
           </a:p>
           <a:p>
             <a:pPr marL="0" indent="0">
               <a:buNone/>
             </a:pPr>
             <a:r>
-              <a:rPr lang="ru-RU" sz="2800" dirty="0" smtClean="0"/>
+              <a:rPr lang="ru-RU" dirty="0" smtClean="0"/>
               <a:t>Была разработана </a:t>
             </a:r>
             <a:r>
-              <a:rPr lang="en-US" sz="2800" dirty="0" smtClean="0"/>
+              <a:rPr lang="en-US" dirty="0" smtClean="0"/>
               <a:t>3D</a:t>
             </a:r>
             <a:r>
-              <a:rPr lang="ru-RU" sz="2800" dirty="0" smtClean="0"/>
+              <a:rPr lang="ru-RU" dirty="0" smtClean="0"/>
               <a:t> модель захвата, детали которой распечатаны на </a:t>
             </a:r>
             <a:r>
-              <a:rPr lang="en-US" sz="2800" dirty="0" smtClean="0"/>
+              <a:rPr lang="en-US" dirty="0" smtClean="0"/>
               <a:t>3D </a:t>
             </a:r>
             <a:r>
-              <a:rPr lang="ru-RU" sz="2800" dirty="0" smtClean="0"/>
+              <a:rPr lang="ru-RU" dirty="0" smtClean="0"/>
               <a:t>принтере.</a:t>
             </a:r>
-            <a:endParaRPr lang="ru-RU" sz="2800" dirty="0"/>
+            <a:endParaRPr lang="ru-RU" dirty="0"/>
           </a:p>
           <a:p>
             <a:pPr marL="0" indent="0">
               <a:buNone/>
             </a:pPr>
             <a:r>
-              <a:rPr lang="ru-RU" sz="2800" dirty="0" smtClean="0"/>
+              <a:rPr lang="ru-RU" dirty="0" smtClean="0"/>
               <a:t>Сервопривод закреплён на корпусе захвата с помощью распечатанных стоек. При вращении вала крутящий момент передаётся с помощью редуктора с передаточным отношением 2:1.</a:t>
             </a:r>
-            <a:endParaRPr lang="ru-RU" sz="2800" dirty="0"/>
+            <a:endParaRPr lang="ru-RU" dirty="0"/>
           </a:p>
         </p:txBody>
       </p:sp>
